--- a/notebooks/nb180903/MC504-2018s2-T11(v1)-Paging.pptx
+++ b/notebooks/nb180903/MC504-2018s2-T11(v1)-Paging.pptx
@@ -245,7 +245,7 @@
           <a:p>
             <a:fld id="{08E4A655-A78C-964B-AB92-ECC699989C56}" type="datetimeFigureOut">
               <a:rPr lang="en-US" smtClean="0"/>
-              <a:t>9/2/18</a:t>
+              <a:t>9/3/18</a:t>
             </a:fld>
             <a:endParaRPr lang="en-US"/>
           </a:p>
@@ -5308,7 +5308,7 @@
             <a:fld id="{03D09FA4-D782-704D-BA4F-C6B6CE6C5758}" type="datetimeFigureOut">
               <a:rPr lang="en-US" smtClean="0"/>
               <a:pPr/>
-              <a:t>9/2/18</a:t>
+              <a:t>9/3/18</a:t>
             </a:fld>
             <a:endParaRPr lang="en-US"/>
           </a:p>
@@ -5851,7 +5851,7 @@
                   </a:srgbClr>
                 </a:solidFill>
               </a:rPr>
-              <a:t>2018. 9. 2.</a:t>
+              <a:t>2018. 9. 3.</a:t>
             </a:fld>
             <a:endParaRPr lang="en-US" altLang="ko-KR">
               <a:solidFill>
@@ -11899,6 +11899,221 @@
       <p:transition/>
     </mc:Fallback>
   </mc:AlternateContent>
+  <p:timing>
+    <p:tnLst>
+      <p:par>
+        <p:cTn id="1" dur="indefinite" restart="never" nodeType="tmRoot">
+          <p:childTnLst>
+            <p:seq concurrent="1" nextAc="seek">
+              <p:cTn id="2" dur="indefinite" nodeType="mainSeq">
+                <p:childTnLst>
+                  <p:par>
+                    <p:cTn id="3" fill="hold">
+                      <p:stCondLst>
+                        <p:cond delay="indefinite"/>
+                      </p:stCondLst>
+                      <p:childTnLst>
+                        <p:par>
+                          <p:cTn id="4" fill="hold">
+                            <p:stCondLst>
+                              <p:cond delay="0"/>
+                            </p:stCondLst>
+                            <p:childTnLst>
+                              <p:par>
+                                <p:cTn id="5" presetID="10" presetClass="entr" presetSubtype="0" fill="hold" grpId="0" nodeType="clickEffect">
+                                  <p:stCondLst>
+                                    <p:cond delay="0"/>
+                                  </p:stCondLst>
+                                  <p:childTnLst>
+                                    <p:set>
+                                      <p:cBhvr>
+                                        <p:cTn id="6" dur="1" fill="hold">
+                                          <p:stCondLst>
+                                            <p:cond delay="0"/>
+                                          </p:stCondLst>
+                                        </p:cTn>
+                                        <p:tgtEl>
+                                          <p:spTgt spid="9">
+                                            <p:txEl>
+                                              <p:pRg st="0" end="0"/>
+                                            </p:txEl>
+                                          </p:spTgt>
+                                        </p:tgtEl>
+                                        <p:attrNameLst>
+                                          <p:attrName>style.visibility</p:attrName>
+                                        </p:attrNameLst>
+                                      </p:cBhvr>
+                                      <p:to>
+                                        <p:strVal val="visible"/>
+                                      </p:to>
+                                    </p:set>
+                                    <p:animEffect transition="in" filter="fade">
+                                      <p:cBhvr>
+                                        <p:cTn id="7" dur="500"/>
+                                        <p:tgtEl>
+                                          <p:spTgt spid="9">
+                                            <p:txEl>
+                                              <p:pRg st="0" end="0"/>
+                                            </p:txEl>
+                                          </p:spTgt>
+                                        </p:tgtEl>
+                                      </p:cBhvr>
+                                    </p:animEffect>
+                                  </p:childTnLst>
+                                </p:cTn>
+                              </p:par>
+                              <p:par>
+                                <p:cTn id="8" presetID="10" presetClass="entr" presetSubtype="0" fill="hold" grpId="0" nodeType="withEffect">
+                                  <p:stCondLst>
+                                    <p:cond delay="0"/>
+                                  </p:stCondLst>
+                                  <p:childTnLst>
+                                    <p:set>
+                                      <p:cBhvr>
+                                        <p:cTn id="9" dur="1" fill="hold">
+                                          <p:stCondLst>
+                                            <p:cond delay="0"/>
+                                          </p:stCondLst>
+                                        </p:cTn>
+                                        <p:tgtEl>
+                                          <p:spTgt spid="9">
+                                            <p:txEl>
+                                              <p:pRg st="1" end="1"/>
+                                            </p:txEl>
+                                          </p:spTgt>
+                                        </p:tgtEl>
+                                        <p:attrNameLst>
+                                          <p:attrName>style.visibility</p:attrName>
+                                        </p:attrNameLst>
+                                      </p:cBhvr>
+                                      <p:to>
+                                        <p:strVal val="visible"/>
+                                      </p:to>
+                                    </p:set>
+                                    <p:animEffect transition="in" filter="fade">
+                                      <p:cBhvr>
+                                        <p:cTn id="10" dur="500"/>
+                                        <p:tgtEl>
+                                          <p:spTgt spid="9">
+                                            <p:txEl>
+                                              <p:pRg st="1" end="1"/>
+                                            </p:txEl>
+                                          </p:spTgt>
+                                        </p:tgtEl>
+                                      </p:cBhvr>
+                                    </p:animEffect>
+                                  </p:childTnLst>
+                                </p:cTn>
+                              </p:par>
+                              <p:par>
+                                <p:cTn id="11" presetID="10" presetClass="entr" presetSubtype="0" fill="hold" grpId="0" nodeType="withEffect">
+                                  <p:stCondLst>
+                                    <p:cond delay="0"/>
+                                  </p:stCondLst>
+                                  <p:childTnLst>
+                                    <p:set>
+                                      <p:cBhvr>
+                                        <p:cTn id="12" dur="1" fill="hold">
+                                          <p:stCondLst>
+                                            <p:cond delay="0"/>
+                                          </p:stCondLst>
+                                        </p:cTn>
+                                        <p:tgtEl>
+                                          <p:spTgt spid="9">
+                                            <p:txEl>
+                                              <p:pRg st="2" end="2"/>
+                                            </p:txEl>
+                                          </p:spTgt>
+                                        </p:tgtEl>
+                                        <p:attrNameLst>
+                                          <p:attrName>style.visibility</p:attrName>
+                                        </p:attrNameLst>
+                                      </p:cBhvr>
+                                      <p:to>
+                                        <p:strVal val="visible"/>
+                                      </p:to>
+                                    </p:set>
+                                    <p:animEffect transition="in" filter="fade">
+                                      <p:cBhvr>
+                                        <p:cTn id="13" dur="500"/>
+                                        <p:tgtEl>
+                                          <p:spTgt spid="9">
+                                            <p:txEl>
+                                              <p:pRg st="2" end="2"/>
+                                            </p:txEl>
+                                          </p:spTgt>
+                                        </p:tgtEl>
+                                      </p:cBhvr>
+                                    </p:animEffect>
+                                  </p:childTnLst>
+                                </p:cTn>
+                              </p:par>
+                              <p:par>
+                                <p:cTn id="14" presetID="10" presetClass="entr" presetSubtype="0" fill="hold" nodeType="withEffect">
+                                  <p:stCondLst>
+                                    <p:cond delay="0"/>
+                                  </p:stCondLst>
+                                  <p:childTnLst>
+                                    <p:set>
+                                      <p:cBhvr>
+                                        <p:cTn id="15" dur="1" fill="hold">
+                                          <p:stCondLst>
+                                            <p:cond delay="0"/>
+                                          </p:stCondLst>
+                                        </p:cTn>
+                                        <p:tgtEl>
+                                          <p:spTgt spid="11"/>
+                                        </p:tgtEl>
+                                        <p:attrNameLst>
+                                          <p:attrName>style.visibility</p:attrName>
+                                        </p:attrNameLst>
+                                      </p:cBhvr>
+                                      <p:to>
+                                        <p:strVal val="visible"/>
+                                      </p:to>
+                                    </p:set>
+                                    <p:animEffect transition="in" filter="fade">
+                                      <p:cBhvr>
+                                        <p:cTn id="16" dur="500"/>
+                                        <p:tgtEl>
+                                          <p:spTgt spid="11"/>
+                                        </p:tgtEl>
+                                      </p:cBhvr>
+                                    </p:animEffect>
+                                  </p:childTnLst>
+                                </p:cTn>
+                              </p:par>
+                            </p:childTnLst>
+                          </p:cTn>
+                        </p:par>
+                      </p:childTnLst>
+                    </p:cTn>
+                  </p:par>
+                </p:childTnLst>
+              </p:cTn>
+              <p:prevCondLst>
+                <p:cond evt="onPrev" delay="0">
+                  <p:tgtEl>
+                    <p:sldTgt/>
+                  </p:tgtEl>
+                </p:cond>
+              </p:prevCondLst>
+              <p:nextCondLst>
+                <p:cond evt="onNext" delay="0">
+                  <p:tgtEl>
+                    <p:sldTgt/>
+                  </p:tgtEl>
+                </p:cond>
+              </p:nextCondLst>
+            </p:seq>
+          </p:childTnLst>
+        </p:cTn>
+      </p:par>
+    </p:tnLst>
+    <p:bldLst>
+      <p:bldP spid="9" grpId="0" build="p"/>
+    </p:bldLst>
+  </p:timing>
 </p:sld>
 </file>
 
@@ -13447,7 +13662,7 @@
           <p:nvPr>
             <p:extLst>
               <p:ext uri="{D42A27DB-BD31-4B8C-83A1-F6EECF244321}">
-                <p14:modId xmlns:p14="http://schemas.microsoft.com/office/powerpoint/2010/main" val="4184408398"/>
+                <p14:modId xmlns:p14="http://schemas.microsoft.com/office/powerpoint/2010/main" val="400957776"/>
               </p:ext>
             </p:extLst>
           </p:nvPr>
@@ -13547,7 +13762,7 @@
                           <a:ea typeface="Myriad Pro Condensed" charset="0"/>
                           <a:cs typeface="Myriad Pro Condensed" charset="0"/>
                         </a:rPr>
-                        <a:t>PFN</a:t>
+                        <a:t>PFN = f</a:t>
                       </a:r>
                     </a:p>
                   </a:txBody>
@@ -13887,8 +14102,8 @@
         </p:nvSpPr>
         <p:spPr>
           <a:xfrm>
-            <a:off x="2396489" y="4647180"/>
-            <a:ext cx="645418" cy="276999"/>
+            <a:off x="2584127" y="4647180"/>
+            <a:ext cx="457779" cy="276999"/>
           </a:xfrm>
           <a:prstGeom prst="rect">
             <a:avLst/>
@@ -14186,7 +14401,7 @@
                                 </p:cTn>
                               </p:par>
                               <p:par>
-                                <p:cTn id="26" presetID="10" presetClass="entr" presetSubtype="0" fill="hold" nodeType="withEffect">
+                                <p:cTn id="26" presetID="10" presetClass="entr" presetSubtype="0" fill="hold" grpId="0" nodeType="withEffect">
                                   <p:stCondLst>
                                     <p:cond delay="0"/>
                                   </p:stCondLst>
@@ -14194,6 +14409,41 @@
                                     <p:set>
                                       <p:cBhvr>
                                         <p:cTn id="27" dur="1" fill="hold">
+                                          <p:stCondLst>
+                                            <p:cond delay="0"/>
+                                          </p:stCondLst>
+                                        </p:cTn>
+                                        <p:tgtEl>
+                                          <p:spTgt spid="7"/>
+                                        </p:tgtEl>
+                                        <p:attrNameLst>
+                                          <p:attrName>style.visibility</p:attrName>
+                                        </p:attrNameLst>
+                                      </p:cBhvr>
+                                      <p:to>
+                                        <p:strVal val="visible"/>
+                                      </p:to>
+                                    </p:set>
+                                    <p:animEffect transition="in" filter="fade">
+                                      <p:cBhvr>
+                                        <p:cTn id="28" dur="500"/>
+                                        <p:tgtEl>
+                                          <p:spTgt spid="7"/>
+                                        </p:tgtEl>
+                                      </p:cBhvr>
+                                    </p:animEffect>
+                                  </p:childTnLst>
+                                </p:cTn>
+                              </p:par>
+                              <p:par>
+                                <p:cTn id="29" presetID="10" presetClass="entr" presetSubtype="0" fill="hold" nodeType="withEffect">
+                                  <p:stCondLst>
+                                    <p:cond delay="0"/>
+                                  </p:stCondLst>
+                                  <p:childTnLst>
+                                    <p:set>
+                                      <p:cBhvr>
+                                        <p:cTn id="30" dur="1" fill="hold">
                                           <p:stCondLst>
                                             <p:cond delay="0"/>
                                           </p:stCondLst>
@@ -14211,7 +14461,7 @@
                                     </p:set>
                                     <p:animEffect transition="in" filter="fade">
                                       <p:cBhvr>
-                                        <p:cTn id="28" dur="500"/>
+                                        <p:cTn id="31" dur="500"/>
                                         <p:tgtEl>
                                           <p:spTgt spid="5"/>
                                         </p:tgtEl>
@@ -14227,26 +14477,26 @@
                     </p:cTn>
                   </p:par>
                   <p:par>
-                    <p:cTn id="29" fill="hold">
+                    <p:cTn id="32" fill="hold">
                       <p:stCondLst>
                         <p:cond delay="indefinite"/>
                       </p:stCondLst>
                       <p:childTnLst>
                         <p:par>
-                          <p:cTn id="30" fill="hold">
+                          <p:cTn id="33" fill="hold">
                             <p:stCondLst>
                               <p:cond delay="0"/>
                             </p:stCondLst>
                             <p:childTnLst>
                               <p:par>
-                                <p:cTn id="31" presetID="10" presetClass="exit" presetSubtype="0" fill="hold" grpId="0" nodeType="clickEffect">
+                                <p:cTn id="34" presetID="10" presetClass="exit" presetSubtype="0" fill="hold" grpId="0" nodeType="clickEffect">
                                   <p:stCondLst>
                                     <p:cond delay="0"/>
                                   </p:stCondLst>
                                   <p:childTnLst>
                                     <p:animEffect transition="out" filter="fade">
                                       <p:cBhvr>
-                                        <p:cTn id="32" dur="2000"/>
+                                        <p:cTn id="35" dur="2000"/>
                                         <p:tgtEl>
                                           <p:spTgt spid="10"/>
                                         </p:tgtEl>
@@ -14254,7 +14504,7 @@
                                     </p:animEffect>
                                     <p:set>
                                       <p:cBhvr>
-                                        <p:cTn id="33" dur="1" fill="hold">
+                                        <p:cTn id="36" dur="1" fill="hold">
                                           <p:stCondLst>
                                             <p:cond delay="1999"/>
                                           </p:stCondLst>
@@ -14274,14 +14524,14 @@
                                 </p:cTn>
                               </p:par>
                               <p:par>
-                                <p:cTn id="34" presetID="10" presetClass="exit" presetSubtype="0" fill="hold" grpId="0" nodeType="withEffect">
+                                <p:cTn id="37" presetID="10" presetClass="exit" presetSubtype="0" fill="hold" grpId="0" nodeType="withEffect">
                                   <p:stCondLst>
                                     <p:cond delay="0"/>
                                   </p:stCondLst>
                                   <p:childTnLst>
                                     <p:animEffect transition="out" filter="fade">
                                       <p:cBhvr>
-                                        <p:cTn id="35" dur="2000"/>
+                                        <p:cTn id="38" dur="2000"/>
                                         <p:tgtEl>
                                           <p:spTgt spid="12"/>
                                         </p:tgtEl>
@@ -14289,7 +14539,7 @@
                                     </p:animEffect>
                                     <p:set>
                                       <p:cBhvr>
-                                        <p:cTn id="36" dur="1" fill="hold">
+                                        <p:cTn id="39" dur="1" fill="hold">
                                           <p:stCondLst>
                                             <p:cond delay="1999"/>
                                           </p:stCondLst>
@@ -14309,14 +14559,14 @@
                                 </p:cTn>
                               </p:par>
                               <p:par>
-                                <p:cTn id="37" presetID="10" presetClass="entr" presetSubtype="0" fill="hold" nodeType="withEffect">
+                                <p:cTn id="40" presetID="10" presetClass="entr" presetSubtype="0" fill="hold" nodeType="withEffect">
                                   <p:stCondLst>
                                     <p:cond delay="0"/>
                                   </p:stCondLst>
                                   <p:childTnLst>
                                     <p:set>
                                       <p:cBhvr>
-                                        <p:cTn id="38" dur="1" fill="hold">
+                                        <p:cTn id="41" dur="1" fill="hold">
                                           <p:stCondLst>
                                             <p:cond delay="0"/>
                                           </p:stCondLst>
@@ -14334,7 +14584,7 @@
                                     </p:set>
                                     <p:animEffect transition="in" filter="fade">
                                       <p:cBhvr>
-                                        <p:cTn id="39" dur="500"/>
+                                        <p:cTn id="42" dur="500"/>
                                         <p:tgtEl>
                                           <p:spTgt spid="20"/>
                                         </p:tgtEl>
@@ -14350,54 +14600,19 @@
                     </p:cTn>
                   </p:par>
                   <p:par>
-                    <p:cTn id="40" fill="hold">
+                    <p:cTn id="43" fill="hold">
                       <p:stCondLst>
                         <p:cond delay="indefinite"/>
                       </p:stCondLst>
                       <p:childTnLst>
                         <p:par>
-                          <p:cTn id="41" fill="hold">
+                          <p:cTn id="44" fill="hold">
                             <p:stCondLst>
                               <p:cond delay="0"/>
                             </p:stCondLst>
                             <p:childTnLst>
                               <p:par>
-                                <p:cTn id="42" presetID="10" presetClass="exit" presetSubtype="0" fill="hold" grpId="0" nodeType="clickEffect">
-                                  <p:stCondLst>
-                                    <p:cond delay="0"/>
-                                  </p:stCondLst>
-                                  <p:childTnLst>
-                                    <p:animEffect transition="out" filter="fade">
-                                      <p:cBhvr>
-                                        <p:cTn id="43" dur="2000"/>
-                                        <p:tgtEl>
-                                          <p:spTgt spid="18"/>
-                                        </p:tgtEl>
-                                      </p:cBhvr>
-                                    </p:animEffect>
-                                    <p:set>
-                                      <p:cBhvr>
-                                        <p:cTn id="44" dur="1" fill="hold">
-                                          <p:stCondLst>
-                                            <p:cond delay="1999"/>
-                                          </p:stCondLst>
-                                        </p:cTn>
-                                        <p:tgtEl>
-                                          <p:spTgt spid="18"/>
-                                        </p:tgtEl>
-                                        <p:attrNameLst>
-                                          <p:attrName>style.visibility</p:attrName>
-                                        </p:attrNameLst>
-                                      </p:cBhvr>
-                                      <p:to>
-                                        <p:strVal val="hidden"/>
-                                      </p:to>
-                                    </p:set>
-                                  </p:childTnLst>
-                                </p:cTn>
-                              </p:par>
-                              <p:par>
-                                <p:cTn id="45" presetID="10" presetClass="exit" presetSubtype="0" fill="hold" grpId="0" nodeType="withEffect">
+                                <p:cTn id="45" presetID="10" presetClass="exit" presetSubtype="0" fill="hold" grpId="0" nodeType="clickEffect">
                                   <p:stCondLst>
                                     <p:cond delay="0"/>
                                   </p:stCondLst>
@@ -14406,7 +14621,7 @@
                                       <p:cBhvr>
                                         <p:cTn id="46" dur="2000"/>
                                         <p:tgtEl>
-                                          <p:spTgt spid="14"/>
+                                          <p:spTgt spid="18"/>
                                         </p:tgtEl>
                                       </p:cBhvr>
                                     </p:animEffect>
@@ -14418,7 +14633,7 @@
                                           </p:stCondLst>
                                         </p:cTn>
                                         <p:tgtEl>
-                                          <p:spTgt spid="14"/>
+                                          <p:spTgt spid="18"/>
                                         </p:tgtEl>
                                         <p:attrNameLst>
                                           <p:attrName>style.visibility</p:attrName>
@@ -14441,13 +14656,48 @@
                                       <p:cBhvr>
                                         <p:cTn id="49" dur="2000"/>
                                         <p:tgtEl>
+                                          <p:spTgt spid="14"/>
+                                        </p:tgtEl>
+                                      </p:cBhvr>
+                                    </p:animEffect>
+                                    <p:set>
+                                      <p:cBhvr>
+                                        <p:cTn id="50" dur="1" fill="hold">
+                                          <p:stCondLst>
+                                            <p:cond delay="1999"/>
+                                          </p:stCondLst>
+                                        </p:cTn>
+                                        <p:tgtEl>
+                                          <p:spTgt spid="14"/>
+                                        </p:tgtEl>
+                                        <p:attrNameLst>
+                                          <p:attrName>style.visibility</p:attrName>
+                                        </p:attrNameLst>
+                                      </p:cBhvr>
+                                      <p:to>
+                                        <p:strVal val="hidden"/>
+                                      </p:to>
+                                    </p:set>
+                                  </p:childTnLst>
+                                </p:cTn>
+                              </p:par>
+                              <p:par>
+                                <p:cTn id="51" presetID="10" presetClass="exit" presetSubtype="0" fill="hold" grpId="0" nodeType="withEffect">
+                                  <p:stCondLst>
+                                    <p:cond delay="0"/>
+                                  </p:stCondLst>
+                                  <p:childTnLst>
+                                    <p:animEffect transition="out" filter="fade">
+                                      <p:cBhvr>
+                                        <p:cTn id="52" dur="2000"/>
+                                        <p:tgtEl>
                                           <p:spTgt spid="13"/>
                                         </p:tgtEl>
                                       </p:cBhvr>
                                     </p:animEffect>
                                     <p:set>
                                       <p:cBhvr>
-                                        <p:cTn id="50" dur="1" fill="hold">
+                                        <p:cTn id="53" dur="1" fill="hold">
                                           <p:stCondLst>
                                             <p:cond delay="1999"/>
                                           </p:stCondLst>
@@ -14467,14 +14717,14 @@
                                 </p:cTn>
                               </p:par>
                               <p:par>
-                                <p:cTn id="51" presetID="10" presetClass="entr" presetSubtype="0" fill="hold" nodeType="withEffect">
+                                <p:cTn id="54" presetID="10" presetClass="entr" presetSubtype="0" fill="hold" nodeType="withEffect">
                                   <p:stCondLst>
                                     <p:cond delay="0"/>
                                   </p:stCondLst>
                                   <p:childTnLst>
                                     <p:set>
                                       <p:cBhvr>
-                                        <p:cTn id="52" dur="1" fill="hold">
+                                        <p:cTn id="55" dur="1" fill="hold">
                                           <p:stCondLst>
                                             <p:cond delay="0"/>
                                           </p:stCondLst>
@@ -14492,7 +14742,7 @@
                                     </p:set>
                                     <p:animEffect transition="in" filter="fade">
                                       <p:cBhvr>
-                                        <p:cTn id="53" dur="500"/>
+                                        <p:cTn id="56" dur="500"/>
                                         <p:tgtEl>
                                           <p:spTgt spid="4"/>
                                         </p:tgtEl>
@@ -14538,6 +14788,7 @@
       <p:bldP spid="12" grpId="0" animBg="1"/>
       <p:bldP spid="15" grpId="0" animBg="1"/>
       <p:bldP spid="14" grpId="0" animBg="1"/>
+      <p:bldP spid="7" grpId="0" animBg="1"/>
     </p:bldLst>
   </p:timing>
 </p:sld>
@@ -14583,8 +14834,8 @@
           </a:p>
         </p:txBody>
       </p:sp>
-      <mc:AlternateContent xmlns:mc="http://schemas.openxmlformats.org/markup-compatibility/2006">
-        <mc:Choice xmlns:a14="http://schemas.microsoft.com/office/drawing/2010/main" Requires="a14">
+      <mc:AlternateContent xmlns:mc="http://schemas.openxmlformats.org/markup-compatibility/2006" xmlns:a14="http://schemas.microsoft.com/office/drawing/2010/main">
+        <mc:Choice Requires="a14">
           <p:sp>
             <p:nvSpPr>
               <p:cNvPr id="3" name="내용 개체 틀 2"/>
@@ -14692,13 +14943,7 @@
                           <a:rPr lang="en-US" altLang="ko-KR" b="0" i="1" smtClean="0">
                             <a:latin typeface="Cambria Math" panose="02040503050406030204" pitchFamily="18" charset="0"/>
                           </a:rPr>
-                          <m:t>0</m:t>
-                        </m:r>
-                        <m:r>
-                          <a:rPr lang="en-US" altLang="ko-KR" b="0" i="1" smtClean="0">
-                            <a:latin typeface="Cambria Math" panose="02040503050406030204" pitchFamily="18" charset="0"/>
-                          </a:rPr>
-                          <m:t>10101</m:t>
+                          <m:t>010101</m:t>
                         </m:r>
                       </m:e>
                       <m:sub>
@@ -14735,7 +14980,7 @@
             </p:txBody>
           </p:sp>
         </mc:Choice>
-        <mc:Fallback>
+        <mc:Fallback xmlns="">
           <p:sp>
             <p:nvSpPr>
               <p:cNvPr id="3" name="내용 개체 틀 2"/>
@@ -15534,6 +15779,325 @@
       </p:transition>
     </mc:Fallback>
   </mc:AlternateContent>
+  <p:timing>
+    <p:tnLst>
+      <p:par>
+        <p:cTn id="1" dur="indefinite" restart="never" nodeType="tmRoot">
+          <p:childTnLst>
+            <p:seq concurrent="1" nextAc="seek">
+              <p:cTn id="2" dur="indefinite" nodeType="mainSeq">
+                <p:childTnLst>
+                  <p:par>
+                    <p:cTn id="3" fill="hold">
+                      <p:stCondLst>
+                        <p:cond delay="indefinite"/>
+                      </p:stCondLst>
+                      <p:childTnLst>
+                        <p:par>
+                          <p:cTn id="4" fill="hold">
+                            <p:stCondLst>
+                              <p:cond delay="0"/>
+                            </p:stCondLst>
+                            <p:childTnLst>
+                              <p:par>
+                                <p:cTn id="5" presetID="10" presetClass="entr" presetSubtype="0" fill="hold" grpId="0" nodeType="clickEffect">
+                                  <p:stCondLst>
+                                    <p:cond delay="0"/>
+                                  </p:stCondLst>
+                                  <p:childTnLst>
+                                    <p:set>
+                                      <p:cBhvr>
+                                        <p:cTn id="6" dur="1" fill="hold">
+                                          <p:stCondLst>
+                                            <p:cond delay="0"/>
+                                          </p:stCondLst>
+                                        </p:cTn>
+                                        <p:tgtEl>
+                                          <p:spTgt spid="3">
+                                            <p:txEl>
+                                              <p:pRg st="0" end="0"/>
+                                            </p:txEl>
+                                          </p:spTgt>
+                                        </p:tgtEl>
+                                        <p:attrNameLst>
+                                          <p:attrName>style.visibility</p:attrName>
+                                        </p:attrNameLst>
+                                      </p:cBhvr>
+                                      <p:to>
+                                        <p:strVal val="visible"/>
+                                      </p:to>
+                                    </p:set>
+                                    <p:animEffect transition="in" filter="fade">
+                                      <p:cBhvr>
+                                        <p:cTn id="7" dur="500"/>
+                                        <p:tgtEl>
+                                          <p:spTgt spid="3">
+                                            <p:txEl>
+                                              <p:pRg st="0" end="0"/>
+                                            </p:txEl>
+                                          </p:spTgt>
+                                        </p:tgtEl>
+                                      </p:cBhvr>
+                                    </p:animEffect>
+                                  </p:childTnLst>
+                                </p:cTn>
+                              </p:par>
+                            </p:childTnLst>
+                          </p:cTn>
+                        </p:par>
+                      </p:childTnLst>
+                    </p:cTn>
+                  </p:par>
+                  <p:par>
+                    <p:cTn id="8" fill="hold">
+                      <p:stCondLst>
+                        <p:cond delay="indefinite"/>
+                      </p:stCondLst>
+                      <p:childTnLst>
+                        <p:par>
+                          <p:cTn id="9" fill="hold">
+                            <p:stCondLst>
+                              <p:cond delay="0"/>
+                            </p:stCondLst>
+                            <p:childTnLst>
+                              <p:par>
+                                <p:cTn id="10" presetID="10" presetClass="entr" presetSubtype="0" fill="hold" grpId="0" nodeType="clickEffect">
+                                  <p:stCondLst>
+                                    <p:cond delay="0"/>
+                                  </p:stCondLst>
+                                  <p:childTnLst>
+                                    <p:set>
+                                      <p:cBhvr>
+                                        <p:cTn id="11" dur="1" fill="hold">
+                                          <p:stCondLst>
+                                            <p:cond delay="0"/>
+                                          </p:stCondLst>
+                                        </p:cTn>
+                                        <p:tgtEl>
+                                          <p:spTgt spid="3">
+                                            <p:txEl>
+                                              <p:pRg st="1" end="1"/>
+                                            </p:txEl>
+                                          </p:spTgt>
+                                        </p:tgtEl>
+                                        <p:attrNameLst>
+                                          <p:attrName>style.visibility</p:attrName>
+                                        </p:attrNameLst>
+                                      </p:cBhvr>
+                                      <p:to>
+                                        <p:strVal val="visible"/>
+                                      </p:to>
+                                    </p:set>
+                                    <p:animEffect transition="in" filter="fade">
+                                      <p:cBhvr>
+                                        <p:cTn id="12" dur="500"/>
+                                        <p:tgtEl>
+                                          <p:spTgt spid="3">
+                                            <p:txEl>
+                                              <p:pRg st="1" end="1"/>
+                                            </p:txEl>
+                                          </p:spTgt>
+                                        </p:tgtEl>
+                                      </p:cBhvr>
+                                    </p:animEffect>
+                                  </p:childTnLst>
+                                </p:cTn>
+                              </p:par>
+                              <p:par>
+                                <p:cTn id="13" presetID="10" presetClass="entr" presetSubtype="0" fill="hold" grpId="0" nodeType="withEffect">
+                                  <p:stCondLst>
+                                    <p:cond delay="0"/>
+                                  </p:stCondLst>
+                                  <p:childTnLst>
+                                    <p:set>
+                                      <p:cBhvr>
+                                        <p:cTn id="14" dur="1" fill="hold">
+                                          <p:stCondLst>
+                                            <p:cond delay="0"/>
+                                          </p:stCondLst>
+                                        </p:cTn>
+                                        <p:tgtEl>
+                                          <p:spTgt spid="3">
+                                            <p:txEl>
+                                              <p:pRg st="2" end="2"/>
+                                            </p:txEl>
+                                          </p:spTgt>
+                                        </p:tgtEl>
+                                        <p:attrNameLst>
+                                          <p:attrName>style.visibility</p:attrName>
+                                        </p:attrNameLst>
+                                      </p:cBhvr>
+                                      <p:to>
+                                        <p:strVal val="visible"/>
+                                      </p:to>
+                                    </p:set>
+                                    <p:animEffect transition="in" filter="fade">
+                                      <p:cBhvr>
+                                        <p:cTn id="15" dur="500"/>
+                                        <p:tgtEl>
+                                          <p:spTgt spid="3">
+                                            <p:txEl>
+                                              <p:pRg st="2" end="2"/>
+                                            </p:txEl>
+                                          </p:spTgt>
+                                        </p:tgtEl>
+                                      </p:cBhvr>
+                                    </p:animEffect>
+                                  </p:childTnLst>
+                                </p:cTn>
+                              </p:par>
+                              <p:par>
+                                <p:cTn id="16" presetID="10" presetClass="entr" presetSubtype="0" fill="hold" grpId="0" nodeType="withEffect">
+                                  <p:stCondLst>
+                                    <p:cond delay="0"/>
+                                  </p:stCondLst>
+                                  <p:childTnLst>
+                                    <p:set>
+                                      <p:cBhvr>
+                                        <p:cTn id="17" dur="1" fill="hold">
+                                          <p:stCondLst>
+                                            <p:cond delay="0"/>
+                                          </p:stCondLst>
+                                        </p:cTn>
+                                        <p:tgtEl>
+                                          <p:spTgt spid="3">
+                                            <p:txEl>
+                                              <p:pRg st="3" end="3"/>
+                                            </p:txEl>
+                                          </p:spTgt>
+                                        </p:tgtEl>
+                                        <p:attrNameLst>
+                                          <p:attrName>style.visibility</p:attrName>
+                                        </p:attrNameLst>
+                                      </p:cBhvr>
+                                      <p:to>
+                                        <p:strVal val="visible"/>
+                                      </p:to>
+                                    </p:set>
+                                    <p:animEffect transition="in" filter="fade">
+                                      <p:cBhvr>
+                                        <p:cTn id="18" dur="500"/>
+                                        <p:tgtEl>
+                                          <p:spTgt spid="3">
+                                            <p:txEl>
+                                              <p:pRg st="3" end="3"/>
+                                            </p:txEl>
+                                          </p:spTgt>
+                                        </p:tgtEl>
+                                      </p:cBhvr>
+                                    </p:animEffect>
+                                  </p:childTnLst>
+                                </p:cTn>
+                              </p:par>
+                              <p:par>
+                                <p:cTn id="19" presetID="10" presetClass="entr" presetSubtype="0" fill="hold" grpId="0" nodeType="withEffect">
+                                  <p:stCondLst>
+                                    <p:cond delay="0"/>
+                                  </p:stCondLst>
+                                  <p:childTnLst>
+                                    <p:set>
+                                      <p:cBhvr>
+                                        <p:cTn id="20" dur="1" fill="hold">
+                                          <p:stCondLst>
+                                            <p:cond delay="0"/>
+                                          </p:stCondLst>
+                                        </p:cTn>
+                                        <p:tgtEl>
+                                          <p:spTgt spid="3">
+                                            <p:txEl>
+                                              <p:pRg st="4" end="4"/>
+                                            </p:txEl>
+                                          </p:spTgt>
+                                        </p:tgtEl>
+                                        <p:attrNameLst>
+                                          <p:attrName>style.visibility</p:attrName>
+                                        </p:attrNameLst>
+                                      </p:cBhvr>
+                                      <p:to>
+                                        <p:strVal val="visible"/>
+                                      </p:to>
+                                    </p:set>
+                                    <p:animEffect transition="in" filter="fade">
+                                      <p:cBhvr>
+                                        <p:cTn id="21" dur="500"/>
+                                        <p:tgtEl>
+                                          <p:spTgt spid="3">
+                                            <p:txEl>
+                                              <p:pRg st="4" end="4"/>
+                                            </p:txEl>
+                                          </p:spTgt>
+                                        </p:tgtEl>
+                                      </p:cBhvr>
+                                    </p:animEffect>
+                                  </p:childTnLst>
+                                </p:cTn>
+                              </p:par>
+                              <p:par>
+                                <p:cTn id="22" presetID="10" presetClass="entr" presetSubtype="0" fill="hold" nodeType="withEffect">
+                                  <p:stCondLst>
+                                    <p:cond delay="0"/>
+                                  </p:stCondLst>
+                                  <p:childTnLst>
+                                    <p:set>
+                                      <p:cBhvr>
+                                        <p:cTn id="23" dur="1" fill="hold">
+                                          <p:stCondLst>
+                                            <p:cond delay="0"/>
+                                          </p:stCondLst>
+                                        </p:cTn>
+                                        <p:tgtEl>
+                                          <p:spTgt spid="21"/>
+                                        </p:tgtEl>
+                                        <p:attrNameLst>
+                                          <p:attrName>style.visibility</p:attrName>
+                                        </p:attrNameLst>
+                                      </p:cBhvr>
+                                      <p:to>
+                                        <p:strVal val="visible"/>
+                                      </p:to>
+                                    </p:set>
+                                    <p:animEffect transition="in" filter="fade">
+                                      <p:cBhvr>
+                                        <p:cTn id="24" dur="500"/>
+                                        <p:tgtEl>
+                                          <p:spTgt spid="21"/>
+                                        </p:tgtEl>
+                                      </p:cBhvr>
+                                    </p:animEffect>
+                                  </p:childTnLst>
+                                </p:cTn>
+                              </p:par>
+                            </p:childTnLst>
+                          </p:cTn>
+                        </p:par>
+                      </p:childTnLst>
+                    </p:cTn>
+                  </p:par>
+                </p:childTnLst>
+              </p:cTn>
+              <p:prevCondLst>
+                <p:cond evt="onPrev" delay="0">
+                  <p:tgtEl>
+                    <p:sldTgt/>
+                  </p:tgtEl>
+                </p:cond>
+              </p:prevCondLst>
+              <p:nextCondLst>
+                <p:cond evt="onNext" delay="0">
+                  <p:tgtEl>
+                    <p:sldTgt/>
+                  </p:tgtEl>
+                </p:cond>
+              </p:nextCondLst>
+            </p:seq>
+          </p:childTnLst>
+        </p:cTn>
+      </p:par>
+    </p:tnLst>
+    <p:bldLst>
+      <p:bldP spid="3" grpId="0" uiExpand="1" build="p"/>
+    </p:bldLst>
+  </p:timing>
 </p:sld>
 </file>
 
@@ -15556,6 +16120,313 @@
       </p:grpSpPr>
       <p:sp>
         <p:nvSpPr>
+          <p:cNvPr id="92" name="Freeform 91">
+            <a:extLst>
+              <a:ext uri="{FF2B5EF4-FFF2-40B4-BE49-F238E27FC236}">
+                <a16:creationId xmlns:a16="http://schemas.microsoft.com/office/drawing/2014/main" id="{8EBC8F38-E674-4449-AA23-965AF0567C36}"/>
+              </a:ext>
+            </a:extLst>
+          </p:cNvPr>
+          <p:cNvSpPr/>
+          <p:nvPr/>
+        </p:nvSpPr>
+        <p:spPr>
+          <a:xfrm>
+            <a:off x="431800" y="2526193"/>
+            <a:ext cx="8280400" cy="3963507"/>
+          </a:xfrm>
+          <a:custGeom>
+            <a:avLst/>
+            <a:gdLst>
+              <a:gd name="connsiteX0" fmla="*/ 4140200 w 8280400"/>
+              <a:gd name="connsiteY0" fmla="*/ 0 h 3963507"/>
+              <a:gd name="connsiteX1" fmla="*/ 8280400 w 8280400"/>
+              <a:gd name="connsiteY1" fmla="*/ 0 h 3963507"/>
+              <a:gd name="connsiteX2" fmla="*/ 8280400 w 8280400"/>
+              <a:gd name="connsiteY2" fmla="*/ 3963506 h 3963507"/>
+              <a:gd name="connsiteX3" fmla="*/ 4140200 w 8280400"/>
+              <a:gd name="connsiteY3" fmla="*/ 3963506 h 3963507"/>
+              <a:gd name="connsiteX4" fmla="*/ 4140200 w 8280400"/>
+              <a:gd name="connsiteY4" fmla="*/ 3963507 h 3963507"/>
+              <a:gd name="connsiteX5" fmla="*/ 0 w 8280400"/>
+              <a:gd name="connsiteY5" fmla="*/ 3963507 h 3963507"/>
+              <a:gd name="connsiteX6" fmla="*/ 0 w 8280400"/>
+              <a:gd name="connsiteY6" fmla="*/ 2101905 h 3963507"/>
+              <a:gd name="connsiteX7" fmla="*/ 4140200 w 8280400"/>
+              <a:gd name="connsiteY7" fmla="*/ 2101905 h 3963507"/>
+            </a:gdLst>
+            <a:ahLst/>
+            <a:cxnLst>
+              <a:cxn ang="0">
+                <a:pos x="connsiteX0" y="connsiteY0"/>
+              </a:cxn>
+              <a:cxn ang="0">
+                <a:pos x="connsiteX1" y="connsiteY1"/>
+              </a:cxn>
+              <a:cxn ang="0">
+                <a:pos x="connsiteX2" y="connsiteY2"/>
+              </a:cxn>
+              <a:cxn ang="0">
+                <a:pos x="connsiteX3" y="connsiteY3"/>
+              </a:cxn>
+              <a:cxn ang="0">
+                <a:pos x="connsiteX4" y="connsiteY4"/>
+              </a:cxn>
+              <a:cxn ang="0">
+                <a:pos x="connsiteX5" y="connsiteY5"/>
+              </a:cxn>
+              <a:cxn ang="0">
+                <a:pos x="connsiteX6" y="connsiteY6"/>
+              </a:cxn>
+              <a:cxn ang="0">
+                <a:pos x="connsiteX7" y="connsiteY7"/>
+              </a:cxn>
+            </a:cxnLst>
+            <a:rect l="l" t="t" r="r" b="b"/>
+            <a:pathLst>
+              <a:path w="8280400" h="3963507">
+                <a:moveTo>
+                  <a:pt x="4140200" y="0"/>
+                </a:moveTo>
+                <a:lnTo>
+                  <a:pt x="8280400" y="0"/>
+                </a:lnTo>
+                <a:lnTo>
+                  <a:pt x="8280400" y="3963506"/>
+                </a:lnTo>
+                <a:lnTo>
+                  <a:pt x="4140200" y="3963506"/>
+                </a:lnTo>
+                <a:lnTo>
+                  <a:pt x="4140200" y="3963507"/>
+                </a:lnTo>
+                <a:lnTo>
+                  <a:pt x="0" y="3963507"/>
+                </a:lnTo>
+                <a:lnTo>
+                  <a:pt x="0" y="2101905"/>
+                </a:lnTo>
+                <a:lnTo>
+                  <a:pt x="4140200" y="2101905"/>
+                </a:lnTo>
+                <a:close/>
+              </a:path>
+            </a:pathLst>
+          </a:custGeom>
+          <a:solidFill>
+            <a:srgbClr val="FAF2D4">
+              <a:alpha val="50196"/>
+            </a:srgbClr>
+          </a:solidFill>
+          <a:ln w="12700" cmpd="sng">
+            <a:noFill/>
+          </a:ln>
+        </p:spPr>
+        <p:style>
+          <a:lnRef idx="2">
+            <a:schemeClr val="accent1">
+              <a:shade val="50000"/>
+            </a:schemeClr>
+          </a:lnRef>
+          <a:fillRef idx="1">
+            <a:schemeClr val="accent1"/>
+          </a:fillRef>
+          <a:effectRef idx="0">
+            <a:schemeClr val="accent1"/>
+          </a:effectRef>
+          <a:fontRef idx="minor">
+            <a:schemeClr val="lt1"/>
+          </a:fontRef>
+        </p:style>
+        <p:txBody>
+          <a:bodyPr rot="0" spcFirstLastPara="0" vertOverflow="overflow" horzOverflow="overflow" vert="horz" wrap="square" lIns="91440" tIns="45720" rIns="91440" bIns="45720" numCol="1" spcCol="0" rtlCol="0" fromWordArt="0" anchor="ctr" anchorCtr="0" forceAA="0" compatLnSpc="1">
+            <a:prstTxWarp prst="textNoShape">
+              <a:avLst/>
+            </a:prstTxWarp>
+            <a:noAutofit/>
+          </a:bodyPr>
+          <a:lstStyle/>
+          <a:p>
+            <a:pPr algn="ctr"/>
+            <a:endParaRPr lang="en-US" dirty="0">
+              <a:solidFill>
+                <a:schemeClr val="tx1"/>
+              </a:solidFill>
+            </a:endParaRPr>
+          </a:p>
+        </p:txBody>
+      </p:sp>
+      <p:sp>
+        <p:nvSpPr>
+          <p:cNvPr id="93" name="Freeform 92">
+            <a:extLst>
+              <a:ext uri="{FF2B5EF4-FFF2-40B4-BE49-F238E27FC236}">
+                <a16:creationId xmlns:a16="http://schemas.microsoft.com/office/drawing/2014/main" id="{6B36DA21-A174-F24A-91BE-C80F67E3192B}"/>
+              </a:ext>
+            </a:extLst>
+          </p:cNvPr>
+          <p:cNvSpPr/>
+          <p:nvPr/>
+        </p:nvSpPr>
+        <p:spPr>
+          <a:xfrm>
+            <a:off x="431800" y="1351966"/>
+            <a:ext cx="6468274" cy="3061288"/>
+          </a:xfrm>
+          <a:custGeom>
+            <a:avLst/>
+            <a:gdLst>
+              <a:gd name="connsiteX0" fmla="*/ 0 w 6468274"/>
+              <a:gd name="connsiteY0" fmla="*/ 0 h 3061288"/>
+              <a:gd name="connsiteX1" fmla="*/ 6468274 w 6468274"/>
+              <a:gd name="connsiteY1" fmla="*/ 0 h 3061288"/>
+              <a:gd name="connsiteX2" fmla="*/ 6468274 w 6468274"/>
+              <a:gd name="connsiteY2" fmla="*/ 923151 h 3061288"/>
+              <a:gd name="connsiteX3" fmla="*/ 3383857 w 6468274"/>
+              <a:gd name="connsiteY3" fmla="*/ 923151 h 3061288"/>
+              <a:gd name="connsiteX4" fmla="*/ 3383857 w 6468274"/>
+              <a:gd name="connsiteY4" fmla="*/ 3061288 h 3061288"/>
+              <a:gd name="connsiteX5" fmla="*/ 2 w 6468274"/>
+              <a:gd name="connsiteY5" fmla="*/ 3061288 h 3061288"/>
+              <a:gd name="connsiteX6" fmla="*/ 2 w 6468274"/>
+              <a:gd name="connsiteY6" fmla="*/ 923151 h 3061288"/>
+              <a:gd name="connsiteX7" fmla="*/ 0 w 6468274"/>
+              <a:gd name="connsiteY7" fmla="*/ 923151 h 3061288"/>
+            </a:gdLst>
+            <a:ahLst/>
+            <a:cxnLst>
+              <a:cxn ang="0">
+                <a:pos x="connsiteX0" y="connsiteY0"/>
+              </a:cxn>
+              <a:cxn ang="0">
+                <a:pos x="connsiteX1" y="connsiteY1"/>
+              </a:cxn>
+              <a:cxn ang="0">
+                <a:pos x="connsiteX2" y="connsiteY2"/>
+              </a:cxn>
+              <a:cxn ang="0">
+                <a:pos x="connsiteX3" y="connsiteY3"/>
+              </a:cxn>
+              <a:cxn ang="0">
+                <a:pos x="connsiteX4" y="connsiteY4"/>
+              </a:cxn>
+              <a:cxn ang="0">
+                <a:pos x="connsiteX5" y="connsiteY5"/>
+              </a:cxn>
+              <a:cxn ang="0">
+                <a:pos x="connsiteX6" y="connsiteY6"/>
+              </a:cxn>
+              <a:cxn ang="0">
+                <a:pos x="connsiteX7" y="connsiteY7"/>
+              </a:cxn>
+            </a:cxnLst>
+            <a:rect l="l" t="t" r="r" b="b"/>
+            <a:pathLst>
+              <a:path w="6468274" h="3061288">
+                <a:moveTo>
+                  <a:pt x="0" y="0"/>
+                </a:moveTo>
+                <a:lnTo>
+                  <a:pt x="6468274" y="0"/>
+                </a:lnTo>
+                <a:lnTo>
+                  <a:pt x="6468274" y="923151"/>
+                </a:lnTo>
+                <a:lnTo>
+                  <a:pt x="3383857" y="923151"/>
+                </a:lnTo>
+                <a:lnTo>
+                  <a:pt x="3383857" y="3061288"/>
+                </a:lnTo>
+                <a:lnTo>
+                  <a:pt x="2" y="3061288"/>
+                </a:lnTo>
+                <a:lnTo>
+                  <a:pt x="2" y="923151"/>
+                </a:lnTo>
+                <a:lnTo>
+                  <a:pt x="0" y="923151"/>
+                </a:lnTo>
+                <a:close/>
+              </a:path>
+            </a:pathLst>
+          </a:custGeom>
+          <a:solidFill>
+            <a:srgbClr val="FAF2D4">
+              <a:alpha val="50196"/>
+            </a:srgbClr>
+          </a:solidFill>
+          <a:ln w="12700" cmpd="sng">
+            <a:noFill/>
+          </a:ln>
+        </p:spPr>
+        <p:style>
+          <a:lnRef idx="2">
+            <a:schemeClr val="accent1">
+              <a:shade val="50000"/>
+            </a:schemeClr>
+          </a:lnRef>
+          <a:fillRef idx="1">
+            <a:schemeClr val="accent1"/>
+          </a:fillRef>
+          <a:effectRef idx="0">
+            <a:schemeClr val="accent1"/>
+          </a:effectRef>
+          <a:fontRef idx="minor">
+            <a:schemeClr val="lt1"/>
+          </a:fontRef>
+        </p:style>
+        <p:txBody>
+          <a:bodyPr rtlCol="0" anchor="ctr"/>
+          <a:lstStyle/>
+          <a:p>
+            <a:pPr algn="ctr"/>
+            <a:endParaRPr lang="en-US" dirty="0">
+              <a:solidFill>
+                <a:schemeClr val="tx1"/>
+              </a:solidFill>
+            </a:endParaRPr>
+          </a:p>
+        </p:txBody>
+      </p:sp>
+      <p:sp>
+        <p:nvSpPr>
+          <p:cNvPr id="3" name="내용 개체 틀 2"/>
+          <p:cNvSpPr>
+            <a:spLocks noGrp="1"/>
+          </p:cNvSpPr>
+          <p:nvPr>
+            <p:ph sz="half" idx="1"/>
+          </p:nvPr>
+        </p:nvSpPr>
+        <p:spPr>
+          <a:xfrm>
+            <a:off x="431800" y="1423914"/>
+            <a:ext cx="8280400" cy="887435"/>
+          </a:xfrm>
+        </p:spPr>
+        <p:txBody>
+          <a:bodyPr>
+            <a:normAutofit/>
+          </a:bodyPr>
+          <a:lstStyle/>
+          <a:p>
+            <a:r>
+              <a:rPr lang="en-US" altLang="ko-KR" sz="2000" dirty="0"/>
+              <a:t>This table shows how Virtual Pages map onto Physical Frames </a:t>
+            </a:r>
+            <a:br>
+              <a:rPr lang="en-US" altLang="ko-KR" sz="2000" dirty="0"/>
+            </a:br>
+            <a:r>
+              <a:rPr lang="en-US" altLang="ko-KR" sz="2000" dirty="0"/>
+              <a:t>in our simple system:</a:t>
+            </a:r>
+          </a:p>
+        </p:txBody>
+      </p:sp>
+      <p:sp>
+        <p:nvSpPr>
           <p:cNvPr id="2" name="제목 1"/>
           <p:cNvSpPr>
             <a:spLocks noGrp="1"/>
@@ -15564,7 +16435,12 @@
             <p:ph type="title"/>
           </p:nvPr>
         </p:nvSpPr>
-        <p:spPr/>
+        <p:spPr>
+          <a:xfrm>
+            <a:off x="431800" y="620713"/>
+            <a:ext cx="8280400" cy="665693"/>
+          </a:xfrm>
+        </p:spPr>
         <p:txBody>
           <a:bodyPr/>
           <a:lstStyle/>
@@ -15577,158 +16453,6 @@
           </a:p>
         </p:txBody>
       </p:sp>
-      <mc:AlternateContent xmlns:mc="http://schemas.openxmlformats.org/markup-compatibility/2006">
-        <mc:Choice xmlns:a14="http://schemas.microsoft.com/office/drawing/2010/main" Requires="a14">
-          <p:sp>
-            <p:nvSpPr>
-              <p:cNvPr id="3" name="내용 개체 틀 2"/>
-              <p:cNvSpPr>
-                <a:spLocks noGrp="1"/>
-              </p:cNvSpPr>
-              <p:nvPr>
-                <p:ph sz="quarter" idx="10"/>
-              </p:nvPr>
-            </p:nvSpPr>
-            <p:spPr/>
-            <p:txBody>
-              <a:bodyPr/>
-              <a:lstStyle/>
-              <a:p>
-                <a:r>
-                  <a:rPr lang="en-US" altLang="ko-KR" dirty="0"/>
-                  <a:t>Assume now that, in our simple system, Virtual Pages are mapped onto Physical Frames according to the table on the left.</a:t>
-                </a:r>
-              </a:p>
-              <a:p>
-                <a:r>
-                  <a:rPr lang="en-US" altLang="ko-KR" dirty="0"/>
-                  <a:t>Virtual address </a:t>
-                </a:r>
-                <a14:m>
-                  <m:oMath xmlns:m="http://schemas.openxmlformats.org/officeDocument/2006/math">
-                    <m:sSub>
-                      <m:sSubPr>
-                        <m:ctrlPr>
-                          <a:rPr lang="en-US" altLang="ko-KR" i="1" smtClean="0">
-                            <a:latin typeface="Cambria Math" panose="02040503050406030204" pitchFamily="18" charset="0"/>
-                          </a:rPr>
-                        </m:ctrlPr>
-                      </m:sSubPr>
-                      <m:e>
-                        <m:r>
-                          <a:rPr lang="en-US" altLang="ko-KR" b="0" i="1" smtClean="0">
-                            <a:latin typeface="Cambria Math" panose="02040503050406030204" pitchFamily="18" charset="0"/>
-                          </a:rPr>
-                          <m:t>21</m:t>
-                        </m:r>
-                      </m:e>
-                      <m:sub>
-                        <m:r>
-                          <a:rPr lang="en-US" altLang="ko-KR" b="0" i="1" smtClean="0">
-                            <a:latin typeface="Cambria Math" panose="02040503050406030204" pitchFamily="18" charset="0"/>
-                          </a:rPr>
-                          <m:t>10 </m:t>
-                        </m:r>
-                      </m:sub>
-                    </m:sSub>
-                  </m:oMath>
-                </a14:m>
-                <a:r>
-                  <a:rPr lang="en-US" altLang="ko-KR" dirty="0"/>
-                  <a:t>would be </a:t>
-                </a:r>
-                <a:br>
-                  <a:rPr lang="en-US" altLang="ko-KR" dirty="0"/>
-                </a:br>
-                <a:r>
-                  <a:rPr lang="en-US" altLang="ko-KR" dirty="0"/>
-                  <a:t>mapped onto memory address </a:t>
-                </a:r>
-                <a:br>
-                  <a:rPr lang="en-US" altLang="ko-KR" dirty="0"/>
-                </a:br>
-                <a14:m>
-                  <m:oMath xmlns:m="http://schemas.openxmlformats.org/officeDocument/2006/math">
-                    <m:sSub>
-                      <m:sSubPr>
-                        <m:ctrlPr>
-                          <a:rPr lang="en-US" altLang="ko-KR" i="1" smtClean="0">
-                            <a:latin typeface="Cambria Math" panose="02040503050406030204" pitchFamily="18" charset="0"/>
-                          </a:rPr>
-                        </m:ctrlPr>
-                      </m:sSubPr>
-                      <m:e>
-                        <m:r>
-                          <a:rPr lang="en-US" altLang="ko-KR" b="0" i="1" smtClean="0">
-                            <a:latin typeface="Cambria Math" panose="02040503050406030204" pitchFamily="18" charset="0"/>
-                          </a:rPr>
-                          <m:t>117</m:t>
-                        </m:r>
-                      </m:e>
-                      <m:sub>
-                        <m:r>
-                          <a:rPr lang="en-US" altLang="ko-KR" b="0" i="1" smtClean="0">
-                            <a:latin typeface="Cambria Math" panose="02040503050406030204" pitchFamily="18" charset="0"/>
-                          </a:rPr>
-                          <m:t>10</m:t>
-                        </m:r>
-                      </m:sub>
-                    </m:sSub>
-                  </m:oMath>
-                </a14:m>
-                <a:r>
-                  <a:rPr lang="en-US" altLang="ko-KR" dirty="0"/>
-                  <a:t> as shown by the diagram </a:t>
-                </a:r>
-                <a:br>
-                  <a:rPr lang="en-US" altLang="ko-KR" dirty="0"/>
-                </a:br>
-                <a:r>
-                  <a:rPr lang="en-US" altLang="ko-KR" dirty="0"/>
-                  <a:t>on the right.</a:t>
-                </a:r>
-              </a:p>
-              <a:p>
-                <a:pPr lvl="1"/>
-                <a:endParaRPr lang="ko-KR" altLang="en-US" dirty="0"/>
-              </a:p>
-            </p:txBody>
-          </p:sp>
-        </mc:Choice>
-        <mc:Fallback>
-          <p:sp>
-            <p:nvSpPr>
-              <p:cNvPr id="3" name="내용 개체 틀 2"/>
-              <p:cNvSpPr>
-                <a:spLocks noGrp="1" noRot="1" noChangeAspect="1" noMove="1" noResize="1" noEditPoints="1" noAdjustHandles="1" noChangeArrowheads="1" noChangeShapeType="1" noTextEdit="1"/>
-              </p:cNvSpPr>
-              <p:nvPr>
-                <p:ph sz="quarter" idx="10"/>
-              </p:nvPr>
-            </p:nvSpPr>
-            <p:spPr>
-              <a:blipFill>
-                <a:blip r:embed="rId2"/>
-                <a:stretch>
-                  <a:fillRect l="-1991" t="-1737" r="-1072"/>
-                </a:stretch>
-              </a:blipFill>
-            </p:spPr>
-            <p:txBody>
-              <a:bodyPr/>
-              <a:lstStyle/>
-              <a:p>
-                <a:r>
-                  <a:rPr lang="en-US">
-                    <a:noFill/>
-                  </a:rPr>
-                  <a:t> </a:t>
-                </a:r>
-              </a:p>
-            </p:txBody>
-          </p:sp>
-        </mc:Fallback>
-      </mc:AlternateContent>
       <p:sp>
         <p:nvSpPr>
           <p:cNvPr id="4" name="Text Placeholder 3">
@@ -15765,7 +16489,7 @@
         </p:nvGrpSpPr>
         <p:grpSpPr>
           <a:xfrm>
-            <a:off x="4035943" y="2328789"/>
+            <a:off x="3913870" y="2575621"/>
             <a:ext cx="4680520" cy="3979936"/>
             <a:chOff x="1403648" y="1465288"/>
             <a:chExt cx="4680520" cy="3979936"/>
@@ -17708,13 +18432,13 @@
           <p:nvPr>
             <p:extLst>
               <p:ext uri="{D42A27DB-BD31-4B8C-83A1-F6EECF244321}">
-                <p14:modId xmlns:p14="http://schemas.microsoft.com/office/powerpoint/2010/main" val="538831783"/>
+                <p14:modId xmlns:p14="http://schemas.microsoft.com/office/powerpoint/2010/main" val="4060884580"/>
               </p:ext>
             </p:extLst>
           </p:nvPr>
         </p:nvGraphicFramePr>
         <p:xfrm>
-          <a:off x="1162220" y="4166403"/>
+          <a:off x="1294653" y="2152961"/>
           <a:ext cx="1472248" cy="1854200"/>
         </p:xfrm>
         <a:graphic>
@@ -18185,6 +18909,391 @@
           </a:graphicData>
         </a:graphic>
       </p:graphicFrame>
+      <mc:AlternateContent xmlns:mc="http://schemas.openxmlformats.org/markup-compatibility/2006">
+        <mc:Choice xmlns:a14="http://schemas.microsoft.com/office/drawing/2010/main" Requires="a14">
+          <p:sp>
+            <p:nvSpPr>
+              <p:cNvPr id="88" name="내용 개체 틀 2">
+                <a:extLst>
+                  <a:ext uri="{FF2B5EF4-FFF2-40B4-BE49-F238E27FC236}">
+                    <a16:creationId xmlns:a16="http://schemas.microsoft.com/office/drawing/2014/main" id="{57BB4A04-DBDC-B840-B504-FAF5E955BB95}"/>
+                  </a:ext>
+                </a:extLst>
+              </p:cNvPr>
+              <p:cNvSpPr txBox="1">
+                <a:spLocks noGrp="1"/>
+              </p:cNvSpPr>
+              <p:nvPr>
+                <p:ph sz="half" idx="2"/>
+              </p:nvPr>
+            </p:nvSpPr>
+            <p:spPr>
+              <a:xfrm>
+                <a:off x="431800" y="4839016"/>
+                <a:ext cx="3640148" cy="1650683"/>
+              </a:xfrm>
+              <a:prstGeom prst="rect">
+                <a:avLst/>
+              </a:prstGeom>
+            </p:spPr>
+            <p:txBody>
+              <a:bodyPr vert="horz" lIns="0" tIns="0" rIns="0" bIns="0" rtlCol="0">
+                <a:normAutofit/>
+              </a:bodyPr>
+              <a:lstStyle>
+                <a:lvl1pPr marL="266612" indent="-266612" algn="l" defTabSz="914047" rtl="0" eaLnBrk="1" latinLnBrk="0" hangingPunct="1">
+                  <a:lnSpc>
+                    <a:spcPct val="100000"/>
+                  </a:lnSpc>
+                  <a:spcBef>
+                    <a:spcPts val="1800"/>
+                  </a:spcBef>
+                  <a:spcAft>
+                    <a:spcPts val="0"/>
+                  </a:spcAft>
+                  <a:buClr>
+                    <a:schemeClr val="accent2"/>
+                  </a:buClr>
+                  <a:buSzPct val="100000"/>
+                  <a:buFont typeface="Wingdings" panose="05000000000000000000" pitchFamily="2" charset="2"/>
+                  <a:buChar char="§"/>
+                  <a:tabLst/>
+                  <a:defRPr lang="en-US" sz="2400" b="0" i="0" kern="1200" spc="0" baseline="0" noProof="0" smtClean="0">
+                    <a:solidFill>
+                      <a:schemeClr val="tx1"/>
+                    </a:solidFill>
+                    <a:latin typeface="+mn-lt"/>
+                    <a:ea typeface="Roboto Condensed Light" charset="0"/>
+                    <a:cs typeface="Roboto Condensed Light" charset="0"/>
+                  </a:defRPr>
+                </a:lvl1pPr>
+                <a:lvl2pPr marL="536397" indent="-269784" algn="l" defTabSz="914047" rtl="0" eaLnBrk="1" latinLnBrk="0" hangingPunct="1">
+                  <a:lnSpc>
+                    <a:spcPct val="100000"/>
+                  </a:lnSpc>
+                  <a:spcBef>
+                    <a:spcPts val="600"/>
+                  </a:spcBef>
+                  <a:spcAft>
+                    <a:spcPts val="0"/>
+                  </a:spcAft>
+                  <a:buClr>
+                    <a:schemeClr val="bg1">
+                      <a:lumMod val="65000"/>
+                    </a:schemeClr>
+                  </a:buClr>
+                  <a:buSzPct val="100000"/>
+                  <a:buFont typeface="Wingdings" panose="05000000000000000000" pitchFamily="2" charset="2"/>
+                  <a:buChar char="§"/>
+                  <a:tabLst/>
+                  <a:defRPr lang="en-US" sz="2400" b="0" i="0" kern="1200" spc="0" baseline="0" noProof="0" smtClean="0">
+                    <a:solidFill>
+                      <a:schemeClr val="tx1"/>
+                    </a:solidFill>
+                    <a:latin typeface="+mn-lt"/>
+                    <a:ea typeface="Roboto Condensed Light" charset="0"/>
+                    <a:cs typeface="Roboto Condensed Light" charset="0"/>
+                  </a:defRPr>
+                </a:lvl2pPr>
+                <a:lvl3pPr marL="803275" indent="-266700" algn="l" defTabSz="914047" rtl="0" eaLnBrk="1" latinLnBrk="0" hangingPunct="1">
+                  <a:lnSpc>
+                    <a:spcPct val="100000"/>
+                  </a:lnSpc>
+                  <a:spcBef>
+                    <a:spcPts val="300"/>
+                  </a:spcBef>
+                  <a:spcAft>
+                    <a:spcPts val="0"/>
+                  </a:spcAft>
+                  <a:buClr>
+                    <a:schemeClr val="bg1">
+                      <a:lumMod val="85000"/>
+                    </a:schemeClr>
+                  </a:buClr>
+                  <a:buSzPct val="100000"/>
+                  <a:buFont typeface="Wingdings" panose="05000000000000000000" pitchFamily="2" charset="2"/>
+                  <a:buChar char="§"/>
+                  <a:tabLst/>
+                  <a:defRPr lang="en-US" sz="2000" b="0" i="0" kern="1200" spc="0" baseline="0" noProof="0" smtClean="0">
+                    <a:solidFill>
+                      <a:schemeClr val="tx1"/>
+                    </a:solidFill>
+                    <a:latin typeface="+mn-lt"/>
+                    <a:ea typeface="Roboto Condensed Light" charset="0"/>
+                    <a:cs typeface="Roboto Condensed Light" charset="0"/>
+                  </a:defRPr>
+                </a:lvl3pPr>
+                <a:lvl4pPr marL="1071563" indent="-268288" algn="l" defTabSz="2516807" rtl="0" eaLnBrk="1" latinLnBrk="0" hangingPunct="1">
+                  <a:lnSpc>
+                    <a:spcPct val="90000"/>
+                  </a:lnSpc>
+                  <a:spcBef>
+                    <a:spcPts val="0"/>
+                  </a:spcBef>
+                  <a:buClr>
+                    <a:schemeClr val="bg1">
+                      <a:lumMod val="85000"/>
+                    </a:schemeClr>
+                  </a:buClr>
+                  <a:buSzPct val="75000"/>
+                  <a:buFont typeface="Wingdings" pitchFamily="2" charset="2"/>
+                  <a:buChar char="§"/>
+                  <a:tabLst/>
+                  <a:defRPr lang="en-US" sz="2000" b="0" i="0" kern="1200" spc="0" baseline="0" noProof="0" dirty="0">
+                    <a:solidFill>
+                      <a:schemeClr val="tx1"/>
+                    </a:solidFill>
+                    <a:latin typeface="+mn-lt"/>
+                    <a:ea typeface="Roboto Condensed Light" charset="0"/>
+                    <a:cs typeface="Roboto Condensed Light" charset="0"/>
+                  </a:defRPr>
+                </a:lvl4pPr>
+                <a:lvl5pPr marL="357188" indent="-347663" algn="l" defTabSz="914047" rtl="0" eaLnBrk="1" latinLnBrk="0" hangingPunct="1">
+                  <a:lnSpc>
+                    <a:spcPct val="90000"/>
+                  </a:lnSpc>
+                  <a:spcBef>
+                    <a:spcPts val="0"/>
+                  </a:spcBef>
+                  <a:buClr>
+                    <a:schemeClr val="bg1">
+                      <a:lumMod val="50000"/>
+                    </a:schemeClr>
+                  </a:buClr>
+                  <a:buSzPct val="75000"/>
+                  <a:buFont typeface="+mj-lt"/>
+                  <a:buAutoNum type="arabicPeriod"/>
+                  <a:tabLst>
+                    <a:tab pos="989013" algn="l"/>
+                    <a:tab pos="1349375" algn="l"/>
+                    <a:tab pos="1709738" algn="l"/>
+                    <a:tab pos="2068513" algn="l"/>
+                  </a:tabLst>
+                  <a:defRPr lang="en-US" sz="2400" b="0" i="0" kern="1200" spc="0" baseline="0" noProof="0" dirty="0" smtClean="0">
+                    <a:solidFill>
+                      <a:schemeClr val="tx1"/>
+                    </a:solidFill>
+                    <a:latin typeface="Latin Modern Mono Light Cond 10" charset="0"/>
+                    <a:ea typeface="Latin Modern Mono Light Cond 10" charset="0"/>
+                    <a:cs typeface="Latin Modern Mono Light Cond 10" charset="0"/>
+                  </a:defRPr>
+                </a:lvl5pPr>
+                <a:lvl6pPr marL="623888" indent="-357188" algn="l" defTabSz="360000" rtl="0" eaLnBrk="1" latinLnBrk="0" hangingPunct="1">
+                  <a:lnSpc>
+                    <a:spcPct val="90000"/>
+                  </a:lnSpc>
+                  <a:spcBef>
+                    <a:spcPts val="0"/>
+                  </a:spcBef>
+                  <a:buClr>
+                    <a:schemeClr val="bg1">
+                      <a:lumMod val="50000"/>
+                    </a:schemeClr>
+                  </a:buClr>
+                  <a:buSzPct val="75000"/>
+                  <a:buFont typeface="+mj-lt"/>
+                  <a:buAutoNum type="arabicPeriod"/>
+                  <a:tabLst>
+                    <a:tab pos="1079500" algn="l"/>
+                    <a:tab pos="1439863" algn="l"/>
+                    <a:tab pos="1798638" algn="l"/>
+                  </a:tabLst>
+                  <a:defRPr lang="pt-BR" sz="2400" b="0" i="0" kern="1200" spc="0" baseline="0" noProof="0" dirty="0">
+                    <a:solidFill>
+                      <a:schemeClr val="tx1"/>
+                    </a:solidFill>
+                    <a:latin typeface="Latin Modern Mono Light Cond 10" charset="0"/>
+                    <a:ea typeface="Latin Modern Mono Light Cond 10" charset="0"/>
+                    <a:cs typeface="Latin Modern Mono Light Cond 10" charset="0"/>
+                  </a:defRPr>
+                </a:lvl6pPr>
+                <a:lvl7pPr marL="628650" indent="-360000" algn="l" defTabSz="360000" rtl="0" eaLnBrk="1" latinLnBrk="0" hangingPunct="1">
+                  <a:lnSpc>
+                    <a:spcPct val="100000"/>
+                  </a:lnSpc>
+                  <a:spcBef>
+                    <a:spcPts val="0"/>
+                  </a:spcBef>
+                  <a:buClr>
+                    <a:schemeClr val="bg1">
+                      <a:lumMod val="50000"/>
+                    </a:schemeClr>
+                  </a:buClr>
+                  <a:buSzPct val="80000"/>
+                  <a:buFont typeface="+mj-lt"/>
+                  <a:buAutoNum type="arabicPeriod"/>
+                  <a:tabLst>
+                    <a:tab pos="990000" algn="l"/>
+                    <a:tab pos="1350000" algn="l"/>
+                    <a:tab pos="1710000" algn="l"/>
+                    <a:tab pos="2070000" algn="l"/>
+                  </a:tabLst>
+                  <a:defRPr sz="1800" b="0" i="0" kern="1200">
+                    <a:solidFill>
+                      <a:schemeClr val="tx1"/>
+                    </a:solidFill>
+                    <a:latin typeface="Cambria" charset="0"/>
+                    <a:ea typeface="Cambria" charset="0"/>
+                    <a:cs typeface="Cambria" charset="0"/>
+                  </a:defRPr>
+                </a:lvl7pPr>
+                <a:lvl8pPr marL="3427684" indent="-228512" algn="l" defTabSz="914047" rtl="0" eaLnBrk="1" latinLnBrk="0" hangingPunct="1">
+                  <a:spcBef>
+                    <a:spcPct val="20000"/>
+                  </a:spcBef>
+                  <a:buFont typeface="Arial" pitchFamily="34" charset="0"/>
+                  <a:buChar char="•"/>
+                  <a:defRPr sz="2000" kern="1200">
+                    <a:solidFill>
+                      <a:schemeClr val="tx1"/>
+                    </a:solidFill>
+                    <a:latin typeface="+mn-lt"/>
+                    <a:ea typeface="+mn-ea"/>
+                    <a:cs typeface="+mn-cs"/>
+                  </a:defRPr>
+                </a:lvl8pPr>
+                <a:lvl9pPr marL="3884705" indent="-228512" algn="l" defTabSz="914047" rtl="0" eaLnBrk="1" latinLnBrk="0" hangingPunct="1">
+                  <a:spcBef>
+                    <a:spcPct val="20000"/>
+                  </a:spcBef>
+                  <a:buFont typeface="Arial" pitchFamily="34" charset="0"/>
+                  <a:buChar char="•"/>
+                  <a:defRPr sz="2000" kern="1200">
+                    <a:solidFill>
+                      <a:schemeClr val="tx1"/>
+                    </a:solidFill>
+                    <a:latin typeface="+mn-lt"/>
+                    <a:ea typeface="+mn-ea"/>
+                    <a:cs typeface="+mn-cs"/>
+                  </a:defRPr>
+                </a:lvl9pPr>
+              </a:lstStyle>
+              <a:p>
+                <a:r>
+                  <a:rPr lang="en-US" altLang="ko-KR" sz="2000" spc="-30" dirty="0"/>
+                  <a:t>In this case, virtual address </a:t>
+                </a:r>
+                <a14:m>
+                  <m:oMath xmlns:m="http://schemas.openxmlformats.org/officeDocument/2006/math">
+                    <m:sSub>
+                      <m:sSubPr>
+                        <m:ctrlPr>
+                          <a:rPr lang="ar-AE" altLang="ko-KR" sz="2000" i="1" spc="-30">
+                            <a:latin typeface="Cambria Math" panose="02040503050406030204" pitchFamily="18" charset="0"/>
+                          </a:rPr>
+                        </m:ctrlPr>
+                      </m:sSubPr>
+                      <m:e>
+                        <m:r>
+                          <a:rPr lang="ar-AE" altLang="ko-KR" sz="2000" i="1" spc="-30">
+                            <a:latin typeface="Cambria Math" panose="02040503050406030204" pitchFamily="18" charset="0"/>
+                          </a:rPr>
+                          <m:t>21</m:t>
+                        </m:r>
+                      </m:e>
+                      <m:sub>
+                        <m:r>
+                          <a:rPr lang="ar-AE" altLang="ko-KR" sz="2000" i="1" spc="-30">
+                            <a:latin typeface="Cambria Math" panose="02040503050406030204" pitchFamily="18" charset="0"/>
+                          </a:rPr>
+                          <m:t>10 </m:t>
+                        </m:r>
+                      </m:sub>
+                    </m:sSub>
+                  </m:oMath>
+                </a14:m>
+                <a:r>
+                  <a:rPr lang="en-US" altLang="ko-KR" sz="2000" spc="-30" dirty="0"/>
+                  <a:t> would be mapped onto memory address </a:t>
+                </a:r>
+                <a14:m>
+                  <m:oMath xmlns:m="http://schemas.openxmlformats.org/officeDocument/2006/math">
+                    <m:sSub>
+                      <m:sSubPr>
+                        <m:ctrlPr>
+                          <a:rPr lang="ar-AE" altLang="ko-KR" sz="2000" i="1" spc="-30">
+                            <a:latin typeface="Cambria Math" panose="02040503050406030204" pitchFamily="18" charset="0"/>
+                          </a:rPr>
+                        </m:ctrlPr>
+                      </m:sSubPr>
+                      <m:e>
+                        <m:r>
+                          <a:rPr lang="ar-AE" altLang="ko-KR" sz="2000" i="1" spc="-30">
+                            <a:latin typeface="Cambria Math" panose="02040503050406030204" pitchFamily="18" charset="0"/>
+                          </a:rPr>
+                          <m:t>117</m:t>
+                        </m:r>
+                      </m:e>
+                      <m:sub>
+                        <m:r>
+                          <a:rPr lang="ar-AE" altLang="ko-KR" sz="2000" i="1" spc="-30">
+                            <a:latin typeface="Cambria Math" panose="02040503050406030204" pitchFamily="18" charset="0"/>
+                          </a:rPr>
+                          <m:t>10</m:t>
+                        </m:r>
+                      </m:sub>
+                    </m:sSub>
+                  </m:oMath>
+                </a14:m>
+                <a:r>
+                  <a:rPr lang="ar-AE" altLang="ko-KR" sz="2000" spc="-30" dirty="0"/>
+                  <a:t> </a:t>
+                </a:r>
+                <a:r>
+                  <a:rPr lang="en-US" altLang="ko-KR" sz="2000" spc="-30" dirty="0"/>
+                  <a:t>as shown by the diagram on the right.</a:t>
+                </a:r>
+              </a:p>
+            </p:txBody>
+          </p:sp>
+        </mc:Choice>
+        <mc:Fallback>
+          <p:sp>
+            <p:nvSpPr>
+              <p:cNvPr id="88" name="내용 개체 틀 2">
+                <a:extLst>
+                  <a:ext uri="{FF2B5EF4-FFF2-40B4-BE49-F238E27FC236}">
+                    <a16:creationId xmlns:a16="http://schemas.microsoft.com/office/drawing/2014/main" id="{57BB4A04-DBDC-B840-B504-FAF5E955BB95}"/>
+                  </a:ext>
+                </a:extLst>
+              </p:cNvPr>
+              <p:cNvSpPr txBox="1">
+                <a:spLocks noGrp="1" noRot="1" noChangeAspect="1" noMove="1" noResize="1" noEditPoints="1" noAdjustHandles="1" noChangeArrowheads="1" noChangeShapeType="1" noTextEdit="1"/>
+              </p:cNvSpPr>
+              <p:nvPr>
+                <p:ph sz="half" idx="2"/>
+              </p:nvPr>
+            </p:nvSpPr>
+            <p:spPr>
+              <a:xfrm>
+                <a:off x="431800" y="4839016"/>
+                <a:ext cx="3640148" cy="1650683"/>
+              </a:xfrm>
+              <a:prstGeom prst="rect">
+                <a:avLst/>
+              </a:prstGeom>
+              <a:blipFill>
+                <a:blip r:embed="rId2"/>
+                <a:stretch>
+                  <a:fillRect l="-3819" t="-4580"/>
+                </a:stretch>
+              </a:blipFill>
+            </p:spPr>
+            <p:txBody>
+              <a:bodyPr/>
+              <a:lstStyle/>
+              <a:p>
+                <a:r>
+                  <a:rPr lang="en-US">
+                    <a:noFill/>
+                  </a:rPr>
+                  <a:t> </a:t>
+                </a:r>
+              </a:p>
+            </p:txBody>
+          </p:sp>
+        </mc:Fallback>
+      </mc:AlternateContent>
     </p:spTree>
     <p:extLst>
       <p:ext uri="{BB962C8B-B14F-4D97-AF65-F5344CB8AC3E}">
@@ -18207,6 +19316,304 @@
       </p:transition>
     </mc:Fallback>
   </mc:AlternateContent>
+  <p:timing>
+    <p:tnLst>
+      <p:par>
+        <p:cTn id="1" dur="indefinite" restart="never" nodeType="tmRoot">
+          <p:childTnLst>
+            <p:seq concurrent="1" nextAc="seek">
+              <p:cTn id="2" dur="indefinite" nodeType="mainSeq">
+                <p:childTnLst>
+                  <p:par>
+                    <p:cTn id="3" fill="hold">
+                      <p:stCondLst>
+                        <p:cond delay="indefinite"/>
+                      </p:stCondLst>
+                      <p:childTnLst>
+                        <p:par>
+                          <p:cTn id="4" fill="hold">
+                            <p:stCondLst>
+                              <p:cond delay="0"/>
+                            </p:stCondLst>
+                            <p:childTnLst>
+                              <p:par>
+                                <p:cTn id="5" presetID="10" presetClass="entr" presetSubtype="0" fill="hold" grpId="0" nodeType="clickEffect">
+                                  <p:stCondLst>
+                                    <p:cond delay="0"/>
+                                  </p:stCondLst>
+                                  <p:childTnLst>
+                                    <p:set>
+                                      <p:cBhvr>
+                                        <p:cTn id="6" dur="1" fill="hold">
+                                          <p:stCondLst>
+                                            <p:cond delay="0"/>
+                                          </p:stCondLst>
+                                        </p:cTn>
+                                        <p:tgtEl>
+                                          <p:spTgt spid="3">
+                                            <p:txEl>
+                                              <p:pRg st="0" end="0"/>
+                                            </p:txEl>
+                                          </p:spTgt>
+                                        </p:tgtEl>
+                                        <p:attrNameLst>
+                                          <p:attrName>style.visibility</p:attrName>
+                                        </p:attrNameLst>
+                                      </p:cBhvr>
+                                      <p:to>
+                                        <p:strVal val="visible"/>
+                                      </p:to>
+                                    </p:set>
+                                    <p:animEffect transition="in" filter="fade">
+                                      <p:cBhvr>
+                                        <p:cTn id="7" dur="500"/>
+                                        <p:tgtEl>
+                                          <p:spTgt spid="3">
+                                            <p:txEl>
+                                              <p:pRg st="0" end="0"/>
+                                            </p:txEl>
+                                          </p:spTgt>
+                                        </p:tgtEl>
+                                      </p:cBhvr>
+                                    </p:animEffect>
+                                  </p:childTnLst>
+                                </p:cTn>
+                              </p:par>
+                              <p:par>
+                                <p:cTn id="8" presetID="10" presetClass="entr" presetSubtype="0" fill="hold" nodeType="withEffect">
+                                  <p:stCondLst>
+                                    <p:cond delay="0"/>
+                                  </p:stCondLst>
+                                  <p:childTnLst>
+                                    <p:set>
+                                      <p:cBhvr>
+                                        <p:cTn id="9" dur="1" fill="hold">
+                                          <p:stCondLst>
+                                            <p:cond delay="0"/>
+                                          </p:stCondLst>
+                                        </p:cTn>
+                                        <p:tgtEl>
+                                          <p:spTgt spid="5"/>
+                                        </p:tgtEl>
+                                        <p:attrNameLst>
+                                          <p:attrName>style.visibility</p:attrName>
+                                        </p:attrNameLst>
+                                      </p:cBhvr>
+                                      <p:to>
+                                        <p:strVal val="visible"/>
+                                      </p:to>
+                                    </p:set>
+                                    <p:animEffect transition="in" filter="fade">
+                                      <p:cBhvr>
+                                        <p:cTn id="10" dur="500"/>
+                                        <p:tgtEl>
+                                          <p:spTgt spid="5"/>
+                                        </p:tgtEl>
+                                      </p:cBhvr>
+                                    </p:animEffect>
+                                  </p:childTnLst>
+                                </p:cTn>
+                              </p:par>
+                              <p:par>
+                                <p:cTn id="11" presetID="10" presetClass="entr" presetSubtype="0" fill="hold" grpId="0" nodeType="withEffect">
+                                  <p:stCondLst>
+                                    <p:cond delay="0"/>
+                                  </p:stCondLst>
+                                  <p:childTnLst>
+                                    <p:set>
+                                      <p:cBhvr>
+                                        <p:cTn id="12" dur="1" fill="hold">
+                                          <p:stCondLst>
+                                            <p:cond delay="0"/>
+                                          </p:stCondLst>
+                                        </p:cTn>
+                                        <p:tgtEl>
+                                          <p:spTgt spid="93"/>
+                                        </p:tgtEl>
+                                        <p:attrNameLst>
+                                          <p:attrName>style.visibility</p:attrName>
+                                        </p:attrNameLst>
+                                      </p:cBhvr>
+                                      <p:to>
+                                        <p:strVal val="visible"/>
+                                      </p:to>
+                                    </p:set>
+                                    <p:animEffect transition="in" filter="fade">
+                                      <p:cBhvr>
+                                        <p:cTn id="13" dur="500"/>
+                                        <p:tgtEl>
+                                          <p:spTgt spid="93"/>
+                                        </p:tgtEl>
+                                      </p:cBhvr>
+                                    </p:animEffect>
+                                  </p:childTnLst>
+                                </p:cTn>
+                              </p:par>
+                            </p:childTnLst>
+                          </p:cTn>
+                        </p:par>
+                      </p:childTnLst>
+                    </p:cTn>
+                  </p:par>
+                  <p:par>
+                    <p:cTn id="14" fill="hold">
+                      <p:stCondLst>
+                        <p:cond delay="indefinite"/>
+                      </p:stCondLst>
+                      <p:childTnLst>
+                        <p:par>
+                          <p:cTn id="15" fill="hold">
+                            <p:stCondLst>
+                              <p:cond delay="0"/>
+                            </p:stCondLst>
+                            <p:childTnLst>
+                              <p:par>
+                                <p:cTn id="16" presetID="10" presetClass="entr" presetSubtype="0" fill="hold" grpId="0" nodeType="clickEffect">
+                                  <p:stCondLst>
+                                    <p:cond delay="0"/>
+                                  </p:stCondLst>
+                                  <p:childTnLst>
+                                    <p:set>
+                                      <p:cBhvr>
+                                        <p:cTn id="17" dur="1" fill="hold">
+                                          <p:stCondLst>
+                                            <p:cond delay="0"/>
+                                          </p:stCondLst>
+                                        </p:cTn>
+                                        <p:tgtEl>
+                                          <p:spTgt spid="88">
+                                            <p:txEl>
+                                              <p:pRg st="0" end="0"/>
+                                            </p:txEl>
+                                          </p:spTgt>
+                                        </p:tgtEl>
+                                        <p:attrNameLst>
+                                          <p:attrName>style.visibility</p:attrName>
+                                        </p:attrNameLst>
+                                      </p:cBhvr>
+                                      <p:to>
+                                        <p:strVal val="visible"/>
+                                      </p:to>
+                                    </p:set>
+                                    <p:animEffect transition="in" filter="fade">
+                                      <p:cBhvr>
+                                        <p:cTn id="18" dur="500"/>
+                                        <p:tgtEl>
+                                          <p:spTgt spid="88">
+                                            <p:txEl>
+                                              <p:pRg st="0" end="0"/>
+                                            </p:txEl>
+                                          </p:spTgt>
+                                        </p:tgtEl>
+                                      </p:cBhvr>
+                                    </p:animEffect>
+                                  </p:childTnLst>
+                                </p:cTn>
+                              </p:par>
+                              <p:par>
+                                <p:cTn id="19" presetID="10" presetClass="entr" presetSubtype="0" fill="hold" nodeType="withEffect">
+                                  <p:stCondLst>
+                                    <p:cond delay="0"/>
+                                  </p:stCondLst>
+                                  <p:childTnLst>
+                                    <p:set>
+                                      <p:cBhvr>
+                                        <p:cTn id="20" dur="1" fill="hold">
+                                          <p:stCondLst>
+                                            <p:cond delay="0"/>
+                                          </p:stCondLst>
+                                        </p:cTn>
+                                        <p:tgtEl>
+                                          <p:spTgt spid="45"/>
+                                        </p:tgtEl>
+                                        <p:attrNameLst>
+                                          <p:attrName>style.visibility</p:attrName>
+                                        </p:attrNameLst>
+                                      </p:cBhvr>
+                                      <p:to>
+                                        <p:strVal val="visible"/>
+                                      </p:to>
+                                    </p:set>
+                                    <p:animEffect transition="in" filter="fade">
+                                      <p:cBhvr>
+                                        <p:cTn id="21" dur="500"/>
+                                        <p:tgtEl>
+                                          <p:spTgt spid="45"/>
+                                        </p:tgtEl>
+                                      </p:cBhvr>
+                                    </p:animEffect>
+                                  </p:childTnLst>
+                                </p:cTn>
+                              </p:par>
+                              <p:par>
+                                <p:cTn id="22" presetID="10" presetClass="entr" presetSubtype="0" fill="hold" grpId="0" nodeType="withEffect">
+                                  <p:stCondLst>
+                                    <p:cond delay="0"/>
+                                  </p:stCondLst>
+                                  <p:childTnLst>
+                                    <p:set>
+                                      <p:cBhvr>
+                                        <p:cTn id="23" dur="1" fill="hold">
+                                          <p:stCondLst>
+                                            <p:cond delay="0"/>
+                                          </p:stCondLst>
+                                        </p:cTn>
+                                        <p:tgtEl>
+                                          <p:spTgt spid="92"/>
+                                        </p:tgtEl>
+                                        <p:attrNameLst>
+                                          <p:attrName>style.visibility</p:attrName>
+                                        </p:attrNameLst>
+                                      </p:cBhvr>
+                                      <p:to>
+                                        <p:strVal val="visible"/>
+                                      </p:to>
+                                    </p:set>
+                                    <p:animEffect transition="in" filter="fade">
+                                      <p:cBhvr>
+                                        <p:cTn id="24" dur="500"/>
+                                        <p:tgtEl>
+                                          <p:spTgt spid="92"/>
+                                        </p:tgtEl>
+                                      </p:cBhvr>
+                                    </p:animEffect>
+                                  </p:childTnLst>
+                                </p:cTn>
+                              </p:par>
+                            </p:childTnLst>
+                          </p:cTn>
+                        </p:par>
+                      </p:childTnLst>
+                    </p:cTn>
+                  </p:par>
+                </p:childTnLst>
+              </p:cTn>
+              <p:prevCondLst>
+                <p:cond evt="onPrev" delay="0">
+                  <p:tgtEl>
+                    <p:sldTgt/>
+                  </p:tgtEl>
+                </p:cond>
+              </p:prevCondLst>
+              <p:nextCondLst>
+                <p:cond evt="onNext" delay="0">
+                  <p:tgtEl>
+                    <p:sldTgt/>
+                  </p:tgtEl>
+                </p:cond>
+              </p:nextCondLst>
+            </p:seq>
+          </p:childTnLst>
+        </p:cTn>
+      </p:par>
+    </p:tnLst>
+    <p:bldLst>
+      <p:bldP spid="92" grpId="0" animBg="1"/>
+      <p:bldP spid="93" grpId="0" animBg="1"/>
+      <p:bldP spid="3" grpId="0" uiExpand="1" build="p"/>
+      <p:bldP spid="88" grpId="0" uiExpand="1" build="p"/>
+    </p:bldLst>
+  </p:timing>
 </p:sld>
 </file>
 
@@ -32801,7 +34208,7 @@
             <a:pPr marL="365125" indent="-365125"/>
             <a:r>
               <a:rPr lang="en-US" sz="3600" dirty="0"/>
-              <a:t>How big can page tables be? </a:t>
+              <a:t>How big are page tables? </a:t>
             </a:r>
           </a:p>
           <a:p>
@@ -32874,6 +34281,283 @@
       </p:transition>
     </mc:Fallback>
   </mc:AlternateContent>
+  <p:timing>
+    <p:tnLst>
+      <p:par>
+        <p:cTn id="1" dur="indefinite" restart="never" nodeType="tmRoot">
+          <p:childTnLst>
+            <p:seq concurrent="1" nextAc="seek">
+              <p:cTn id="2" dur="indefinite" nodeType="mainSeq">
+                <p:childTnLst>
+                  <p:par>
+                    <p:cTn id="3" fill="hold">
+                      <p:stCondLst>
+                        <p:cond delay="indefinite"/>
+                      </p:stCondLst>
+                      <p:childTnLst>
+                        <p:par>
+                          <p:cTn id="4" fill="hold">
+                            <p:stCondLst>
+                              <p:cond delay="0"/>
+                            </p:stCondLst>
+                            <p:childTnLst>
+                              <p:par>
+                                <p:cTn id="5" presetID="10" presetClass="entr" presetSubtype="0" fill="hold" grpId="0" nodeType="clickEffect">
+                                  <p:stCondLst>
+                                    <p:cond delay="0"/>
+                                  </p:stCondLst>
+                                  <p:childTnLst>
+                                    <p:set>
+                                      <p:cBhvr>
+                                        <p:cTn id="6" dur="1" fill="hold">
+                                          <p:stCondLst>
+                                            <p:cond delay="0"/>
+                                          </p:stCondLst>
+                                        </p:cTn>
+                                        <p:tgtEl>
+                                          <p:spTgt spid="3">
+                                            <p:txEl>
+                                              <p:pRg st="0" end="0"/>
+                                            </p:txEl>
+                                          </p:spTgt>
+                                        </p:tgtEl>
+                                        <p:attrNameLst>
+                                          <p:attrName>style.visibility</p:attrName>
+                                        </p:attrNameLst>
+                                      </p:cBhvr>
+                                      <p:to>
+                                        <p:strVal val="visible"/>
+                                      </p:to>
+                                    </p:set>
+                                    <p:animEffect transition="in" filter="fade">
+                                      <p:cBhvr>
+                                        <p:cTn id="7" dur="500"/>
+                                        <p:tgtEl>
+                                          <p:spTgt spid="3">
+                                            <p:txEl>
+                                              <p:pRg st="0" end="0"/>
+                                            </p:txEl>
+                                          </p:spTgt>
+                                        </p:tgtEl>
+                                      </p:cBhvr>
+                                    </p:animEffect>
+                                  </p:childTnLst>
+                                </p:cTn>
+                              </p:par>
+                            </p:childTnLst>
+                          </p:cTn>
+                        </p:par>
+                      </p:childTnLst>
+                    </p:cTn>
+                  </p:par>
+                  <p:par>
+                    <p:cTn id="8" fill="hold">
+                      <p:stCondLst>
+                        <p:cond delay="indefinite"/>
+                      </p:stCondLst>
+                      <p:childTnLst>
+                        <p:par>
+                          <p:cTn id="9" fill="hold">
+                            <p:stCondLst>
+                              <p:cond delay="0"/>
+                            </p:stCondLst>
+                            <p:childTnLst>
+                              <p:par>
+                                <p:cTn id="10" presetID="10" presetClass="entr" presetSubtype="0" fill="hold" grpId="0" nodeType="clickEffect">
+                                  <p:stCondLst>
+                                    <p:cond delay="0"/>
+                                  </p:stCondLst>
+                                  <p:childTnLst>
+                                    <p:set>
+                                      <p:cBhvr>
+                                        <p:cTn id="11" dur="1" fill="hold">
+                                          <p:stCondLst>
+                                            <p:cond delay="0"/>
+                                          </p:stCondLst>
+                                        </p:cTn>
+                                        <p:tgtEl>
+                                          <p:spTgt spid="3">
+                                            <p:txEl>
+                                              <p:pRg st="1" end="1"/>
+                                            </p:txEl>
+                                          </p:spTgt>
+                                        </p:tgtEl>
+                                        <p:attrNameLst>
+                                          <p:attrName>style.visibility</p:attrName>
+                                        </p:attrNameLst>
+                                      </p:cBhvr>
+                                      <p:to>
+                                        <p:strVal val="visible"/>
+                                      </p:to>
+                                    </p:set>
+                                    <p:animEffect transition="in" filter="fade">
+                                      <p:cBhvr>
+                                        <p:cTn id="12" dur="500"/>
+                                        <p:tgtEl>
+                                          <p:spTgt spid="3">
+                                            <p:txEl>
+                                              <p:pRg st="1" end="1"/>
+                                            </p:txEl>
+                                          </p:spTgt>
+                                        </p:tgtEl>
+                                      </p:cBhvr>
+                                    </p:animEffect>
+                                  </p:childTnLst>
+                                </p:cTn>
+                              </p:par>
+                            </p:childTnLst>
+                          </p:cTn>
+                        </p:par>
+                      </p:childTnLst>
+                    </p:cTn>
+                  </p:par>
+                  <p:par>
+                    <p:cTn id="13" fill="hold">
+                      <p:stCondLst>
+                        <p:cond delay="indefinite"/>
+                      </p:stCondLst>
+                      <p:childTnLst>
+                        <p:par>
+                          <p:cTn id="14" fill="hold">
+                            <p:stCondLst>
+                              <p:cond delay="0"/>
+                            </p:stCondLst>
+                            <p:childTnLst>
+                              <p:par>
+                                <p:cTn id="15" presetID="10" presetClass="entr" presetSubtype="0" fill="hold" grpId="0" nodeType="clickEffect">
+                                  <p:stCondLst>
+                                    <p:cond delay="0"/>
+                                  </p:stCondLst>
+                                  <p:childTnLst>
+                                    <p:set>
+                                      <p:cBhvr>
+                                        <p:cTn id="16" dur="1" fill="hold">
+                                          <p:stCondLst>
+                                            <p:cond delay="0"/>
+                                          </p:stCondLst>
+                                        </p:cTn>
+                                        <p:tgtEl>
+                                          <p:spTgt spid="3">
+                                            <p:txEl>
+                                              <p:pRg st="2" end="2"/>
+                                            </p:txEl>
+                                          </p:spTgt>
+                                        </p:tgtEl>
+                                        <p:attrNameLst>
+                                          <p:attrName>style.visibility</p:attrName>
+                                        </p:attrNameLst>
+                                      </p:cBhvr>
+                                      <p:to>
+                                        <p:strVal val="visible"/>
+                                      </p:to>
+                                    </p:set>
+                                    <p:animEffect transition="in" filter="fade">
+                                      <p:cBhvr>
+                                        <p:cTn id="17" dur="500"/>
+                                        <p:tgtEl>
+                                          <p:spTgt spid="3">
+                                            <p:txEl>
+                                              <p:pRg st="2" end="2"/>
+                                            </p:txEl>
+                                          </p:spTgt>
+                                        </p:tgtEl>
+                                      </p:cBhvr>
+                                    </p:animEffect>
+                                  </p:childTnLst>
+                                </p:cTn>
+                              </p:par>
+                            </p:childTnLst>
+                          </p:cTn>
+                        </p:par>
+                      </p:childTnLst>
+                    </p:cTn>
+                  </p:par>
+                  <p:par>
+                    <p:cTn id="18" fill="hold">
+                      <p:stCondLst>
+                        <p:cond delay="indefinite"/>
+                      </p:stCondLst>
+                      <p:childTnLst>
+                        <p:par>
+                          <p:cTn id="19" fill="hold">
+                            <p:stCondLst>
+                              <p:cond delay="0"/>
+                            </p:stCondLst>
+                            <p:childTnLst>
+                              <p:par>
+                                <p:cTn id="20" presetID="10" presetClass="entr" presetSubtype="0" fill="hold" grpId="0" nodeType="clickEffect">
+                                  <p:stCondLst>
+                                    <p:cond delay="0"/>
+                                  </p:stCondLst>
+                                  <p:childTnLst>
+                                    <p:set>
+                                      <p:cBhvr>
+                                        <p:cTn id="21" dur="1" fill="hold">
+                                          <p:stCondLst>
+                                            <p:cond delay="0"/>
+                                          </p:stCondLst>
+                                        </p:cTn>
+                                        <p:tgtEl>
+                                          <p:spTgt spid="3">
+                                            <p:txEl>
+                                              <p:pRg st="3" end="3"/>
+                                            </p:txEl>
+                                          </p:spTgt>
+                                        </p:tgtEl>
+                                        <p:attrNameLst>
+                                          <p:attrName>style.visibility</p:attrName>
+                                        </p:attrNameLst>
+                                      </p:cBhvr>
+                                      <p:to>
+                                        <p:strVal val="visible"/>
+                                      </p:to>
+                                    </p:set>
+                                    <p:animEffect transition="in" filter="fade">
+                                      <p:cBhvr>
+                                        <p:cTn id="22" dur="500"/>
+                                        <p:tgtEl>
+                                          <p:spTgt spid="3">
+                                            <p:txEl>
+                                              <p:pRg st="3" end="3"/>
+                                            </p:txEl>
+                                          </p:spTgt>
+                                        </p:tgtEl>
+                                      </p:cBhvr>
+                                    </p:animEffect>
+                                  </p:childTnLst>
+                                </p:cTn>
+                              </p:par>
+                            </p:childTnLst>
+                          </p:cTn>
+                        </p:par>
+                      </p:childTnLst>
+                    </p:cTn>
+                  </p:par>
+                </p:childTnLst>
+              </p:cTn>
+              <p:prevCondLst>
+                <p:cond evt="onPrev" delay="0">
+                  <p:tgtEl>
+                    <p:sldTgt/>
+                  </p:tgtEl>
+                </p:cond>
+              </p:prevCondLst>
+              <p:nextCondLst>
+                <p:cond evt="onNext" delay="0">
+                  <p:tgtEl>
+                    <p:sldTgt/>
+                  </p:tgtEl>
+                </p:cond>
+              </p:nextCondLst>
+            </p:seq>
+          </p:childTnLst>
+        </p:cTn>
+      </p:par>
+    </p:tnLst>
+    <p:bldLst>
+      <p:bldP spid="3" grpId="0" build="p"/>
+    </p:bldLst>
+  </p:timing>
 </p:sld>
 </file>
 
@@ -33133,6 +34817,17 @@
                   <a:t>And there will be one of these tables for each running process…</a:t>
                 </a:r>
               </a:p>
+              <a:p>
+                <a:pPr lvl="1">
+                  <a:spcBef>
+                    <a:spcPts val="1800"/>
+                  </a:spcBef>
+                </a:pPr>
+                <a:r>
+                  <a:rPr lang="en-US" altLang="ko-KR" dirty="0"/>
+                  <a:t>What would be the size of that page table in a 64-bit system?</a:t>
+                </a:r>
+              </a:p>
             </p:txBody>
           </p:sp>
         </mc:Choice>
@@ -33217,6 +34912,466 @@
       </p:transition>
     </mc:Fallback>
   </mc:AlternateContent>
+  <p:timing>
+    <p:tnLst>
+      <p:par>
+        <p:cTn id="1" dur="indefinite" restart="never" nodeType="tmRoot">
+          <p:childTnLst>
+            <p:seq concurrent="1" nextAc="seek">
+              <p:cTn id="2" dur="indefinite" nodeType="mainSeq">
+                <p:childTnLst>
+                  <p:par>
+                    <p:cTn id="3" fill="hold">
+                      <p:stCondLst>
+                        <p:cond delay="indefinite"/>
+                      </p:stCondLst>
+                      <p:childTnLst>
+                        <p:par>
+                          <p:cTn id="4" fill="hold">
+                            <p:stCondLst>
+                              <p:cond delay="0"/>
+                            </p:stCondLst>
+                            <p:childTnLst>
+                              <p:par>
+                                <p:cTn id="5" presetID="10" presetClass="entr" presetSubtype="0" fill="hold" grpId="0" nodeType="clickEffect">
+                                  <p:stCondLst>
+                                    <p:cond delay="0"/>
+                                  </p:stCondLst>
+                                  <p:childTnLst>
+                                    <p:set>
+                                      <p:cBhvr>
+                                        <p:cTn id="6" dur="1" fill="hold">
+                                          <p:stCondLst>
+                                            <p:cond delay="0"/>
+                                          </p:stCondLst>
+                                        </p:cTn>
+                                        <p:tgtEl>
+                                          <p:spTgt spid="3">
+                                            <p:txEl>
+                                              <p:pRg st="0" end="0"/>
+                                            </p:txEl>
+                                          </p:spTgt>
+                                        </p:tgtEl>
+                                        <p:attrNameLst>
+                                          <p:attrName>style.visibility</p:attrName>
+                                        </p:attrNameLst>
+                                      </p:cBhvr>
+                                      <p:to>
+                                        <p:strVal val="visible"/>
+                                      </p:to>
+                                    </p:set>
+                                    <p:animEffect transition="in" filter="fade">
+                                      <p:cBhvr>
+                                        <p:cTn id="7" dur="500"/>
+                                        <p:tgtEl>
+                                          <p:spTgt spid="3">
+                                            <p:txEl>
+                                              <p:pRg st="0" end="0"/>
+                                            </p:txEl>
+                                          </p:spTgt>
+                                        </p:tgtEl>
+                                      </p:cBhvr>
+                                    </p:animEffect>
+                                  </p:childTnLst>
+                                </p:cTn>
+                              </p:par>
+                            </p:childTnLst>
+                          </p:cTn>
+                        </p:par>
+                      </p:childTnLst>
+                    </p:cTn>
+                  </p:par>
+                  <p:par>
+                    <p:cTn id="8" fill="hold">
+                      <p:stCondLst>
+                        <p:cond delay="indefinite"/>
+                      </p:stCondLst>
+                      <p:childTnLst>
+                        <p:par>
+                          <p:cTn id="9" fill="hold">
+                            <p:stCondLst>
+                              <p:cond delay="0"/>
+                            </p:stCondLst>
+                            <p:childTnLst>
+                              <p:par>
+                                <p:cTn id="10" presetID="10" presetClass="entr" presetSubtype="0" fill="hold" grpId="0" nodeType="clickEffect">
+                                  <p:stCondLst>
+                                    <p:cond delay="0"/>
+                                  </p:stCondLst>
+                                  <p:childTnLst>
+                                    <p:set>
+                                      <p:cBhvr>
+                                        <p:cTn id="11" dur="1" fill="hold">
+                                          <p:stCondLst>
+                                            <p:cond delay="0"/>
+                                          </p:stCondLst>
+                                        </p:cTn>
+                                        <p:tgtEl>
+                                          <p:spTgt spid="3">
+                                            <p:txEl>
+                                              <p:pRg st="1" end="1"/>
+                                            </p:txEl>
+                                          </p:spTgt>
+                                        </p:tgtEl>
+                                        <p:attrNameLst>
+                                          <p:attrName>style.visibility</p:attrName>
+                                        </p:attrNameLst>
+                                      </p:cBhvr>
+                                      <p:to>
+                                        <p:strVal val="visible"/>
+                                      </p:to>
+                                    </p:set>
+                                    <p:animEffect transition="in" filter="fade">
+                                      <p:cBhvr>
+                                        <p:cTn id="12" dur="500"/>
+                                        <p:tgtEl>
+                                          <p:spTgt spid="3">
+                                            <p:txEl>
+                                              <p:pRg st="1" end="1"/>
+                                            </p:txEl>
+                                          </p:spTgt>
+                                        </p:tgtEl>
+                                      </p:cBhvr>
+                                    </p:animEffect>
+                                  </p:childTnLst>
+                                </p:cTn>
+                              </p:par>
+                            </p:childTnLst>
+                          </p:cTn>
+                        </p:par>
+                      </p:childTnLst>
+                    </p:cTn>
+                  </p:par>
+                  <p:par>
+                    <p:cTn id="13" fill="hold">
+                      <p:stCondLst>
+                        <p:cond delay="indefinite"/>
+                      </p:stCondLst>
+                      <p:childTnLst>
+                        <p:par>
+                          <p:cTn id="14" fill="hold">
+                            <p:stCondLst>
+                              <p:cond delay="0"/>
+                            </p:stCondLst>
+                            <p:childTnLst>
+                              <p:par>
+                                <p:cTn id="15" presetID="10" presetClass="entr" presetSubtype="0" fill="hold" grpId="0" nodeType="clickEffect">
+                                  <p:stCondLst>
+                                    <p:cond delay="0"/>
+                                  </p:stCondLst>
+                                  <p:childTnLst>
+                                    <p:set>
+                                      <p:cBhvr>
+                                        <p:cTn id="16" dur="1" fill="hold">
+                                          <p:stCondLst>
+                                            <p:cond delay="0"/>
+                                          </p:stCondLst>
+                                        </p:cTn>
+                                        <p:tgtEl>
+                                          <p:spTgt spid="3">
+                                            <p:txEl>
+                                              <p:pRg st="2" end="2"/>
+                                            </p:txEl>
+                                          </p:spTgt>
+                                        </p:tgtEl>
+                                        <p:attrNameLst>
+                                          <p:attrName>style.visibility</p:attrName>
+                                        </p:attrNameLst>
+                                      </p:cBhvr>
+                                      <p:to>
+                                        <p:strVal val="visible"/>
+                                      </p:to>
+                                    </p:set>
+                                    <p:animEffect transition="in" filter="fade">
+                                      <p:cBhvr>
+                                        <p:cTn id="17" dur="500"/>
+                                        <p:tgtEl>
+                                          <p:spTgt spid="3">
+                                            <p:txEl>
+                                              <p:pRg st="2" end="2"/>
+                                            </p:txEl>
+                                          </p:spTgt>
+                                        </p:tgtEl>
+                                      </p:cBhvr>
+                                    </p:animEffect>
+                                  </p:childTnLst>
+                                </p:cTn>
+                              </p:par>
+                            </p:childTnLst>
+                          </p:cTn>
+                        </p:par>
+                      </p:childTnLst>
+                    </p:cTn>
+                  </p:par>
+                  <p:par>
+                    <p:cTn id="18" fill="hold">
+                      <p:stCondLst>
+                        <p:cond delay="indefinite"/>
+                      </p:stCondLst>
+                      <p:childTnLst>
+                        <p:par>
+                          <p:cTn id="19" fill="hold">
+                            <p:stCondLst>
+                              <p:cond delay="0"/>
+                            </p:stCondLst>
+                            <p:childTnLst>
+                              <p:par>
+                                <p:cTn id="20" presetID="10" presetClass="entr" presetSubtype="0" fill="hold" grpId="0" nodeType="clickEffect">
+                                  <p:stCondLst>
+                                    <p:cond delay="0"/>
+                                  </p:stCondLst>
+                                  <p:childTnLst>
+                                    <p:set>
+                                      <p:cBhvr>
+                                        <p:cTn id="21" dur="1" fill="hold">
+                                          <p:stCondLst>
+                                            <p:cond delay="0"/>
+                                          </p:stCondLst>
+                                        </p:cTn>
+                                        <p:tgtEl>
+                                          <p:spTgt spid="3">
+                                            <p:txEl>
+                                              <p:pRg st="3" end="3"/>
+                                            </p:txEl>
+                                          </p:spTgt>
+                                        </p:tgtEl>
+                                        <p:attrNameLst>
+                                          <p:attrName>style.visibility</p:attrName>
+                                        </p:attrNameLst>
+                                      </p:cBhvr>
+                                      <p:to>
+                                        <p:strVal val="visible"/>
+                                      </p:to>
+                                    </p:set>
+                                    <p:animEffect transition="in" filter="fade">
+                                      <p:cBhvr>
+                                        <p:cTn id="22" dur="500"/>
+                                        <p:tgtEl>
+                                          <p:spTgt spid="3">
+                                            <p:txEl>
+                                              <p:pRg st="3" end="3"/>
+                                            </p:txEl>
+                                          </p:spTgt>
+                                        </p:tgtEl>
+                                      </p:cBhvr>
+                                    </p:animEffect>
+                                  </p:childTnLst>
+                                </p:cTn>
+                              </p:par>
+                            </p:childTnLst>
+                          </p:cTn>
+                        </p:par>
+                      </p:childTnLst>
+                    </p:cTn>
+                  </p:par>
+                  <p:par>
+                    <p:cTn id="23" fill="hold">
+                      <p:stCondLst>
+                        <p:cond delay="indefinite"/>
+                      </p:stCondLst>
+                      <p:childTnLst>
+                        <p:par>
+                          <p:cTn id="24" fill="hold">
+                            <p:stCondLst>
+                              <p:cond delay="0"/>
+                            </p:stCondLst>
+                            <p:childTnLst>
+                              <p:par>
+                                <p:cTn id="25" presetID="10" presetClass="entr" presetSubtype="0" fill="hold" grpId="0" nodeType="clickEffect">
+                                  <p:stCondLst>
+                                    <p:cond delay="0"/>
+                                  </p:stCondLst>
+                                  <p:childTnLst>
+                                    <p:set>
+                                      <p:cBhvr>
+                                        <p:cTn id="26" dur="1" fill="hold">
+                                          <p:stCondLst>
+                                            <p:cond delay="0"/>
+                                          </p:stCondLst>
+                                        </p:cTn>
+                                        <p:tgtEl>
+                                          <p:spTgt spid="3">
+                                            <p:txEl>
+                                              <p:pRg st="4" end="4"/>
+                                            </p:txEl>
+                                          </p:spTgt>
+                                        </p:tgtEl>
+                                        <p:attrNameLst>
+                                          <p:attrName>style.visibility</p:attrName>
+                                        </p:attrNameLst>
+                                      </p:cBhvr>
+                                      <p:to>
+                                        <p:strVal val="visible"/>
+                                      </p:to>
+                                    </p:set>
+                                    <p:animEffect transition="in" filter="fade">
+                                      <p:cBhvr>
+                                        <p:cTn id="27" dur="500"/>
+                                        <p:tgtEl>
+                                          <p:spTgt spid="3">
+                                            <p:txEl>
+                                              <p:pRg st="4" end="4"/>
+                                            </p:txEl>
+                                          </p:spTgt>
+                                        </p:tgtEl>
+                                      </p:cBhvr>
+                                    </p:animEffect>
+                                  </p:childTnLst>
+                                </p:cTn>
+                              </p:par>
+                            </p:childTnLst>
+                          </p:cTn>
+                        </p:par>
+                      </p:childTnLst>
+                    </p:cTn>
+                  </p:par>
+                  <p:par>
+                    <p:cTn id="28" fill="hold">
+                      <p:stCondLst>
+                        <p:cond delay="indefinite"/>
+                      </p:stCondLst>
+                      <p:childTnLst>
+                        <p:par>
+                          <p:cTn id="29" fill="hold">
+                            <p:stCondLst>
+                              <p:cond delay="0"/>
+                            </p:stCondLst>
+                            <p:childTnLst>
+                              <p:par>
+                                <p:cTn id="30" presetID="10" presetClass="entr" presetSubtype="0" fill="hold" grpId="0" nodeType="clickEffect">
+                                  <p:stCondLst>
+                                    <p:cond delay="0"/>
+                                  </p:stCondLst>
+                                  <p:childTnLst>
+                                    <p:set>
+                                      <p:cBhvr>
+                                        <p:cTn id="31" dur="1" fill="hold">
+                                          <p:stCondLst>
+                                            <p:cond delay="0"/>
+                                          </p:stCondLst>
+                                        </p:cTn>
+                                        <p:tgtEl>
+                                          <p:spTgt spid="3">
+                                            <p:txEl>
+                                              <p:pRg st="5" end="5"/>
+                                            </p:txEl>
+                                          </p:spTgt>
+                                        </p:tgtEl>
+                                        <p:attrNameLst>
+                                          <p:attrName>style.visibility</p:attrName>
+                                        </p:attrNameLst>
+                                      </p:cBhvr>
+                                      <p:to>
+                                        <p:strVal val="visible"/>
+                                      </p:to>
+                                    </p:set>
+                                    <p:animEffect transition="in" filter="fade">
+                                      <p:cBhvr>
+                                        <p:cTn id="32" dur="500"/>
+                                        <p:tgtEl>
+                                          <p:spTgt spid="3">
+                                            <p:txEl>
+                                              <p:pRg st="5" end="5"/>
+                                            </p:txEl>
+                                          </p:spTgt>
+                                        </p:tgtEl>
+                                      </p:cBhvr>
+                                    </p:animEffect>
+                                  </p:childTnLst>
+                                </p:cTn>
+                              </p:par>
+                            </p:childTnLst>
+                          </p:cTn>
+                        </p:par>
+                      </p:childTnLst>
+                    </p:cTn>
+                  </p:par>
+                  <p:par>
+                    <p:cTn id="33" fill="hold">
+                      <p:stCondLst>
+                        <p:cond delay="indefinite"/>
+                      </p:stCondLst>
+                      <p:childTnLst>
+                        <p:par>
+                          <p:cTn id="34" fill="hold">
+                            <p:stCondLst>
+                              <p:cond delay="0"/>
+                            </p:stCondLst>
+                            <p:childTnLst>
+                              <p:par>
+                                <p:cTn id="35" presetID="10" presetClass="entr" presetSubtype="0" fill="hold" grpId="0" nodeType="clickEffect">
+                                  <p:stCondLst>
+                                    <p:cond delay="0"/>
+                                  </p:stCondLst>
+                                  <p:childTnLst>
+                                    <p:set>
+                                      <p:cBhvr>
+                                        <p:cTn id="36" dur="1" fill="hold">
+                                          <p:stCondLst>
+                                            <p:cond delay="0"/>
+                                          </p:stCondLst>
+                                        </p:cTn>
+                                        <p:tgtEl>
+                                          <p:spTgt spid="3">
+                                            <p:txEl>
+                                              <p:pRg st="6" end="6"/>
+                                            </p:txEl>
+                                          </p:spTgt>
+                                        </p:tgtEl>
+                                        <p:attrNameLst>
+                                          <p:attrName>style.visibility</p:attrName>
+                                        </p:attrNameLst>
+                                      </p:cBhvr>
+                                      <p:to>
+                                        <p:strVal val="visible"/>
+                                      </p:to>
+                                    </p:set>
+                                    <p:animEffect transition="in" filter="fade">
+                                      <p:cBhvr>
+                                        <p:cTn id="37" dur="500"/>
+                                        <p:tgtEl>
+                                          <p:spTgt spid="3">
+                                            <p:txEl>
+                                              <p:pRg st="6" end="6"/>
+                                            </p:txEl>
+                                          </p:spTgt>
+                                        </p:tgtEl>
+                                      </p:cBhvr>
+                                    </p:animEffect>
+                                  </p:childTnLst>
+                                </p:cTn>
+                              </p:par>
+                            </p:childTnLst>
+                          </p:cTn>
+                        </p:par>
+                      </p:childTnLst>
+                    </p:cTn>
+                  </p:par>
+                </p:childTnLst>
+              </p:cTn>
+              <p:prevCondLst>
+                <p:cond evt="onPrev" delay="0">
+                  <p:tgtEl>
+                    <p:sldTgt/>
+                  </p:tgtEl>
+                </p:cond>
+              </p:prevCondLst>
+              <p:nextCondLst>
+                <p:cond evt="onNext" delay="0">
+                  <p:tgtEl>
+                    <p:sldTgt/>
+                  </p:tgtEl>
+                </p:cond>
+              </p:nextCondLst>
+            </p:seq>
+          </p:childTnLst>
+        </p:cTn>
+      </p:par>
+    </p:tnLst>
+    <p:bldLst>
+      <p:bldP spid="3" grpId="0" build="p" bldLvl="3"/>
+    </p:bldLst>
+  </p:timing>
 </p:sld>
 </file>
 
@@ -33335,6 +35490,161 @@
       </p:transition>
     </mc:Fallback>
   </mc:AlternateContent>
+  <p:timing>
+    <p:tnLst>
+      <p:par>
+        <p:cTn id="1" dur="indefinite" restart="never" nodeType="tmRoot">
+          <p:childTnLst>
+            <p:seq concurrent="1" nextAc="seek">
+              <p:cTn id="2" dur="indefinite" nodeType="mainSeq">
+                <p:childTnLst>
+                  <p:par>
+                    <p:cTn id="3" fill="hold">
+                      <p:stCondLst>
+                        <p:cond delay="indefinite"/>
+                      </p:stCondLst>
+                      <p:childTnLst>
+                        <p:par>
+                          <p:cTn id="4" fill="hold">
+                            <p:stCondLst>
+                              <p:cond delay="0"/>
+                            </p:stCondLst>
+                            <p:childTnLst>
+                              <p:par>
+                                <p:cTn id="5" presetID="10" presetClass="entr" presetSubtype="0" fill="hold" grpId="0" nodeType="clickEffect">
+                                  <p:stCondLst>
+                                    <p:cond delay="0"/>
+                                  </p:stCondLst>
+                                  <p:childTnLst>
+                                    <p:set>
+                                      <p:cBhvr>
+                                        <p:cTn id="6" dur="1" fill="hold">
+                                          <p:stCondLst>
+                                            <p:cond delay="0"/>
+                                          </p:stCondLst>
+                                        </p:cTn>
+                                        <p:tgtEl>
+                                          <p:spTgt spid="3">
+                                            <p:txEl>
+                                              <p:pRg st="0" end="0"/>
+                                            </p:txEl>
+                                          </p:spTgt>
+                                        </p:tgtEl>
+                                        <p:attrNameLst>
+                                          <p:attrName>style.visibility</p:attrName>
+                                        </p:attrNameLst>
+                                      </p:cBhvr>
+                                      <p:to>
+                                        <p:strVal val="visible"/>
+                                      </p:to>
+                                    </p:set>
+                                    <p:animEffect transition="in" filter="fade">
+                                      <p:cBhvr>
+                                        <p:cTn id="7" dur="500"/>
+                                        <p:tgtEl>
+                                          <p:spTgt spid="3">
+                                            <p:txEl>
+                                              <p:pRg st="0" end="0"/>
+                                            </p:txEl>
+                                          </p:spTgt>
+                                        </p:tgtEl>
+                                      </p:cBhvr>
+                                    </p:animEffect>
+                                  </p:childTnLst>
+                                </p:cTn>
+                              </p:par>
+                            </p:childTnLst>
+                          </p:cTn>
+                        </p:par>
+                      </p:childTnLst>
+                    </p:cTn>
+                  </p:par>
+                  <p:par>
+                    <p:cTn id="8" fill="hold">
+                      <p:stCondLst>
+                        <p:cond delay="indefinite"/>
+                      </p:stCondLst>
+                      <p:childTnLst>
+                        <p:par>
+                          <p:cTn id="9" fill="hold">
+                            <p:stCondLst>
+                              <p:cond delay="0"/>
+                            </p:stCondLst>
+                            <p:childTnLst>
+                              <p:par>
+                                <p:cTn id="10" presetID="10" presetClass="entr" presetSubtype="0" fill="hold" grpId="0" nodeType="clickEffect">
+                                  <p:stCondLst>
+                                    <p:cond delay="0"/>
+                                  </p:stCondLst>
+                                  <p:childTnLst>
+                                    <p:set>
+                                      <p:cBhvr>
+                                        <p:cTn id="11" dur="1" fill="hold">
+                                          <p:stCondLst>
+                                            <p:cond delay="0"/>
+                                          </p:stCondLst>
+                                        </p:cTn>
+                                        <p:tgtEl>
+                                          <p:spTgt spid="3">
+                                            <p:txEl>
+                                              <p:pRg st="1" end="1"/>
+                                            </p:txEl>
+                                          </p:spTgt>
+                                        </p:tgtEl>
+                                        <p:attrNameLst>
+                                          <p:attrName>style.visibility</p:attrName>
+                                        </p:attrNameLst>
+                                      </p:cBhvr>
+                                      <p:to>
+                                        <p:strVal val="visible"/>
+                                      </p:to>
+                                    </p:set>
+                                    <p:animEffect transition="in" filter="fade">
+                                      <p:cBhvr>
+                                        <p:cTn id="12" dur="500"/>
+                                        <p:tgtEl>
+                                          <p:spTgt spid="3">
+                                            <p:txEl>
+                                              <p:pRg st="1" end="1"/>
+                                            </p:txEl>
+                                          </p:spTgt>
+                                        </p:tgtEl>
+                                      </p:cBhvr>
+                                    </p:animEffect>
+                                  </p:childTnLst>
+                                </p:cTn>
+                              </p:par>
+                            </p:childTnLst>
+                          </p:cTn>
+                        </p:par>
+                      </p:childTnLst>
+                    </p:cTn>
+                  </p:par>
+                </p:childTnLst>
+              </p:cTn>
+              <p:prevCondLst>
+                <p:cond evt="onPrev" delay="0">
+                  <p:tgtEl>
+                    <p:sldTgt/>
+                  </p:tgtEl>
+                </p:cond>
+              </p:prevCondLst>
+              <p:nextCondLst>
+                <p:cond evt="onNext" delay="0">
+                  <p:tgtEl>
+                    <p:sldTgt/>
+                  </p:tgtEl>
+                </p:cond>
+              </p:nextCondLst>
+            </p:seq>
+          </p:childTnLst>
+        </p:cTn>
+      </p:par>
+    </p:tnLst>
+    <p:bldLst>
+      <p:bldP spid="3" grpId="0" build="p"/>
+    </p:bldLst>
+  </p:timing>
 </p:sld>
 </file>
 
@@ -37163,6 +39473,555 @@
       </p:transition>
     </mc:Fallback>
   </mc:AlternateContent>
+  <p:timing>
+    <p:tnLst>
+      <p:par>
+        <p:cTn id="1" dur="indefinite" restart="never" nodeType="tmRoot">
+          <p:childTnLst>
+            <p:seq concurrent="1" nextAc="seek">
+              <p:cTn id="2" dur="indefinite" nodeType="mainSeq">
+                <p:childTnLst>
+                  <p:par>
+                    <p:cTn id="3" fill="hold">
+                      <p:stCondLst>
+                        <p:cond delay="indefinite"/>
+                      </p:stCondLst>
+                      <p:childTnLst>
+                        <p:par>
+                          <p:cTn id="4" fill="hold">
+                            <p:stCondLst>
+                              <p:cond delay="0"/>
+                            </p:stCondLst>
+                            <p:childTnLst>
+                              <p:par>
+                                <p:cTn id="5" presetID="10" presetClass="entr" presetSubtype="0" fill="hold" grpId="0" nodeType="clickEffect">
+                                  <p:stCondLst>
+                                    <p:cond delay="0"/>
+                                  </p:stCondLst>
+                                  <p:childTnLst>
+                                    <p:set>
+                                      <p:cBhvr>
+                                        <p:cTn id="6" dur="1" fill="hold">
+                                          <p:stCondLst>
+                                            <p:cond delay="0"/>
+                                          </p:stCondLst>
+                                        </p:cTn>
+                                        <p:tgtEl>
+                                          <p:spTgt spid="3">
+                                            <p:txEl>
+                                              <p:pRg st="0" end="0"/>
+                                            </p:txEl>
+                                          </p:spTgt>
+                                        </p:tgtEl>
+                                        <p:attrNameLst>
+                                          <p:attrName>style.visibility</p:attrName>
+                                        </p:attrNameLst>
+                                      </p:cBhvr>
+                                      <p:to>
+                                        <p:strVal val="visible"/>
+                                      </p:to>
+                                    </p:set>
+                                    <p:animEffect transition="in" filter="fade">
+                                      <p:cBhvr>
+                                        <p:cTn id="7" dur="500"/>
+                                        <p:tgtEl>
+                                          <p:spTgt spid="3">
+                                            <p:txEl>
+                                              <p:pRg st="0" end="0"/>
+                                            </p:txEl>
+                                          </p:spTgt>
+                                        </p:tgtEl>
+                                      </p:cBhvr>
+                                    </p:animEffect>
+                                  </p:childTnLst>
+                                </p:cTn>
+                              </p:par>
+                            </p:childTnLst>
+                          </p:cTn>
+                        </p:par>
+                      </p:childTnLst>
+                    </p:cTn>
+                  </p:par>
+                  <p:par>
+                    <p:cTn id="8" fill="hold">
+                      <p:stCondLst>
+                        <p:cond delay="indefinite"/>
+                      </p:stCondLst>
+                      <p:childTnLst>
+                        <p:par>
+                          <p:cTn id="9" fill="hold">
+                            <p:stCondLst>
+                              <p:cond delay="0"/>
+                            </p:stCondLst>
+                            <p:childTnLst>
+                              <p:par>
+                                <p:cTn id="10" presetID="10" presetClass="entr" presetSubtype="0" fill="hold" grpId="0" nodeType="clickEffect">
+                                  <p:stCondLst>
+                                    <p:cond delay="0"/>
+                                  </p:stCondLst>
+                                  <p:childTnLst>
+                                    <p:set>
+                                      <p:cBhvr>
+                                        <p:cTn id="11" dur="1" fill="hold">
+                                          <p:stCondLst>
+                                            <p:cond delay="0"/>
+                                          </p:stCondLst>
+                                        </p:cTn>
+                                        <p:tgtEl>
+                                          <p:spTgt spid="3">
+                                            <p:txEl>
+                                              <p:pRg st="1" end="1"/>
+                                            </p:txEl>
+                                          </p:spTgt>
+                                        </p:tgtEl>
+                                        <p:attrNameLst>
+                                          <p:attrName>style.visibility</p:attrName>
+                                        </p:attrNameLst>
+                                      </p:cBhvr>
+                                      <p:to>
+                                        <p:strVal val="visible"/>
+                                      </p:to>
+                                    </p:set>
+                                    <p:animEffect transition="in" filter="fade">
+                                      <p:cBhvr>
+                                        <p:cTn id="12" dur="500"/>
+                                        <p:tgtEl>
+                                          <p:spTgt spid="3">
+                                            <p:txEl>
+                                              <p:pRg st="1" end="1"/>
+                                            </p:txEl>
+                                          </p:spTgt>
+                                        </p:tgtEl>
+                                      </p:cBhvr>
+                                    </p:animEffect>
+                                  </p:childTnLst>
+                                </p:cTn>
+                              </p:par>
+                            </p:childTnLst>
+                          </p:cTn>
+                        </p:par>
+                      </p:childTnLst>
+                    </p:cTn>
+                  </p:par>
+                  <p:par>
+                    <p:cTn id="13" fill="hold">
+                      <p:stCondLst>
+                        <p:cond delay="indefinite"/>
+                      </p:stCondLst>
+                      <p:childTnLst>
+                        <p:par>
+                          <p:cTn id="14" fill="hold">
+                            <p:stCondLst>
+                              <p:cond delay="0"/>
+                            </p:stCondLst>
+                            <p:childTnLst>
+                              <p:par>
+                                <p:cTn id="15" presetID="10" presetClass="entr" presetSubtype="0" fill="hold" grpId="0" nodeType="clickEffect">
+                                  <p:stCondLst>
+                                    <p:cond delay="0"/>
+                                  </p:stCondLst>
+                                  <p:childTnLst>
+                                    <p:set>
+                                      <p:cBhvr>
+                                        <p:cTn id="16" dur="1" fill="hold">
+                                          <p:stCondLst>
+                                            <p:cond delay="0"/>
+                                          </p:stCondLst>
+                                        </p:cTn>
+                                        <p:tgtEl>
+                                          <p:spTgt spid="3">
+                                            <p:txEl>
+                                              <p:pRg st="2" end="2"/>
+                                            </p:txEl>
+                                          </p:spTgt>
+                                        </p:tgtEl>
+                                        <p:attrNameLst>
+                                          <p:attrName>style.visibility</p:attrName>
+                                        </p:attrNameLst>
+                                      </p:cBhvr>
+                                      <p:to>
+                                        <p:strVal val="visible"/>
+                                      </p:to>
+                                    </p:set>
+                                    <p:animEffect transition="in" filter="fade">
+                                      <p:cBhvr>
+                                        <p:cTn id="17" dur="500"/>
+                                        <p:tgtEl>
+                                          <p:spTgt spid="3">
+                                            <p:txEl>
+                                              <p:pRg st="2" end="2"/>
+                                            </p:txEl>
+                                          </p:spTgt>
+                                        </p:tgtEl>
+                                      </p:cBhvr>
+                                    </p:animEffect>
+                                  </p:childTnLst>
+                                </p:cTn>
+                              </p:par>
+                            </p:childTnLst>
+                          </p:cTn>
+                        </p:par>
+                      </p:childTnLst>
+                    </p:cTn>
+                  </p:par>
+                  <p:par>
+                    <p:cTn id="18" fill="hold">
+                      <p:stCondLst>
+                        <p:cond delay="indefinite"/>
+                      </p:stCondLst>
+                      <p:childTnLst>
+                        <p:par>
+                          <p:cTn id="19" fill="hold">
+                            <p:stCondLst>
+                              <p:cond delay="0"/>
+                            </p:stCondLst>
+                            <p:childTnLst>
+                              <p:par>
+                                <p:cTn id="20" presetID="10" presetClass="entr" presetSubtype="0" fill="hold" grpId="0" nodeType="clickEffect">
+                                  <p:stCondLst>
+                                    <p:cond delay="0"/>
+                                  </p:stCondLst>
+                                  <p:childTnLst>
+                                    <p:set>
+                                      <p:cBhvr>
+                                        <p:cTn id="21" dur="1" fill="hold">
+                                          <p:stCondLst>
+                                            <p:cond delay="0"/>
+                                          </p:stCondLst>
+                                        </p:cTn>
+                                        <p:tgtEl>
+                                          <p:spTgt spid="3">
+                                            <p:txEl>
+                                              <p:pRg st="3" end="3"/>
+                                            </p:txEl>
+                                          </p:spTgt>
+                                        </p:tgtEl>
+                                        <p:attrNameLst>
+                                          <p:attrName>style.visibility</p:attrName>
+                                        </p:attrNameLst>
+                                      </p:cBhvr>
+                                      <p:to>
+                                        <p:strVal val="visible"/>
+                                      </p:to>
+                                    </p:set>
+                                    <p:animEffect transition="in" filter="fade">
+                                      <p:cBhvr>
+                                        <p:cTn id="22" dur="500"/>
+                                        <p:tgtEl>
+                                          <p:spTgt spid="3">
+                                            <p:txEl>
+                                              <p:pRg st="3" end="3"/>
+                                            </p:txEl>
+                                          </p:spTgt>
+                                        </p:tgtEl>
+                                      </p:cBhvr>
+                                    </p:animEffect>
+                                  </p:childTnLst>
+                                </p:cTn>
+                              </p:par>
+                            </p:childTnLst>
+                          </p:cTn>
+                        </p:par>
+                      </p:childTnLst>
+                    </p:cTn>
+                  </p:par>
+                  <p:par>
+                    <p:cTn id="23" fill="hold">
+                      <p:stCondLst>
+                        <p:cond delay="indefinite"/>
+                      </p:stCondLst>
+                      <p:childTnLst>
+                        <p:par>
+                          <p:cTn id="24" fill="hold">
+                            <p:stCondLst>
+                              <p:cond delay="0"/>
+                            </p:stCondLst>
+                            <p:childTnLst>
+                              <p:par>
+                                <p:cTn id="25" presetID="10" presetClass="entr" presetSubtype="0" fill="hold" grpId="0" nodeType="clickEffect">
+                                  <p:stCondLst>
+                                    <p:cond delay="0"/>
+                                  </p:stCondLst>
+                                  <p:childTnLst>
+                                    <p:set>
+                                      <p:cBhvr>
+                                        <p:cTn id="26" dur="1" fill="hold">
+                                          <p:stCondLst>
+                                            <p:cond delay="0"/>
+                                          </p:stCondLst>
+                                        </p:cTn>
+                                        <p:tgtEl>
+                                          <p:spTgt spid="3">
+                                            <p:txEl>
+                                              <p:pRg st="4" end="4"/>
+                                            </p:txEl>
+                                          </p:spTgt>
+                                        </p:tgtEl>
+                                        <p:attrNameLst>
+                                          <p:attrName>style.visibility</p:attrName>
+                                        </p:attrNameLst>
+                                      </p:cBhvr>
+                                      <p:to>
+                                        <p:strVal val="visible"/>
+                                      </p:to>
+                                    </p:set>
+                                    <p:animEffect transition="in" filter="fade">
+                                      <p:cBhvr>
+                                        <p:cTn id="27" dur="500"/>
+                                        <p:tgtEl>
+                                          <p:spTgt spid="3">
+                                            <p:txEl>
+                                              <p:pRg st="4" end="4"/>
+                                            </p:txEl>
+                                          </p:spTgt>
+                                        </p:tgtEl>
+                                      </p:cBhvr>
+                                    </p:animEffect>
+                                  </p:childTnLst>
+                                </p:cTn>
+                              </p:par>
+                            </p:childTnLst>
+                          </p:cTn>
+                        </p:par>
+                      </p:childTnLst>
+                    </p:cTn>
+                  </p:par>
+                  <p:par>
+                    <p:cTn id="28" fill="hold">
+                      <p:stCondLst>
+                        <p:cond delay="indefinite"/>
+                      </p:stCondLst>
+                      <p:childTnLst>
+                        <p:par>
+                          <p:cTn id="29" fill="hold">
+                            <p:stCondLst>
+                              <p:cond delay="0"/>
+                            </p:stCondLst>
+                            <p:childTnLst>
+                              <p:par>
+                                <p:cTn id="30" presetID="10" presetClass="entr" presetSubtype="0" fill="hold" grpId="0" nodeType="clickEffect">
+                                  <p:stCondLst>
+                                    <p:cond delay="0"/>
+                                  </p:stCondLst>
+                                  <p:childTnLst>
+                                    <p:set>
+                                      <p:cBhvr>
+                                        <p:cTn id="31" dur="1" fill="hold">
+                                          <p:stCondLst>
+                                            <p:cond delay="0"/>
+                                          </p:stCondLst>
+                                        </p:cTn>
+                                        <p:tgtEl>
+                                          <p:spTgt spid="3">
+                                            <p:txEl>
+                                              <p:pRg st="5" end="5"/>
+                                            </p:txEl>
+                                          </p:spTgt>
+                                        </p:tgtEl>
+                                        <p:attrNameLst>
+                                          <p:attrName>style.visibility</p:attrName>
+                                        </p:attrNameLst>
+                                      </p:cBhvr>
+                                      <p:to>
+                                        <p:strVal val="visible"/>
+                                      </p:to>
+                                    </p:set>
+                                    <p:animEffect transition="in" filter="fade">
+                                      <p:cBhvr>
+                                        <p:cTn id="32" dur="500"/>
+                                        <p:tgtEl>
+                                          <p:spTgt spid="3">
+                                            <p:txEl>
+                                              <p:pRg st="5" end="5"/>
+                                            </p:txEl>
+                                          </p:spTgt>
+                                        </p:tgtEl>
+                                      </p:cBhvr>
+                                    </p:animEffect>
+                                  </p:childTnLst>
+                                </p:cTn>
+                              </p:par>
+                            </p:childTnLst>
+                          </p:cTn>
+                        </p:par>
+                      </p:childTnLst>
+                    </p:cTn>
+                  </p:par>
+                  <p:par>
+                    <p:cTn id="33" fill="hold">
+                      <p:stCondLst>
+                        <p:cond delay="indefinite"/>
+                      </p:stCondLst>
+                      <p:childTnLst>
+                        <p:par>
+                          <p:cTn id="34" fill="hold">
+                            <p:stCondLst>
+                              <p:cond delay="0"/>
+                            </p:stCondLst>
+                            <p:childTnLst>
+                              <p:par>
+                                <p:cTn id="35" presetID="10" presetClass="entr" presetSubtype="0" fill="hold" grpId="0" nodeType="clickEffect">
+                                  <p:stCondLst>
+                                    <p:cond delay="0"/>
+                                  </p:stCondLst>
+                                  <p:childTnLst>
+                                    <p:set>
+                                      <p:cBhvr>
+                                        <p:cTn id="36" dur="1" fill="hold">
+                                          <p:stCondLst>
+                                            <p:cond delay="0"/>
+                                          </p:stCondLst>
+                                        </p:cTn>
+                                        <p:tgtEl>
+                                          <p:spTgt spid="3">
+                                            <p:txEl>
+                                              <p:pRg st="6" end="6"/>
+                                            </p:txEl>
+                                          </p:spTgt>
+                                        </p:tgtEl>
+                                        <p:attrNameLst>
+                                          <p:attrName>style.visibility</p:attrName>
+                                        </p:attrNameLst>
+                                      </p:cBhvr>
+                                      <p:to>
+                                        <p:strVal val="visible"/>
+                                      </p:to>
+                                    </p:set>
+                                    <p:animEffect transition="in" filter="fade">
+                                      <p:cBhvr>
+                                        <p:cTn id="37" dur="500"/>
+                                        <p:tgtEl>
+                                          <p:spTgt spid="3">
+                                            <p:txEl>
+                                              <p:pRg st="6" end="6"/>
+                                            </p:txEl>
+                                          </p:spTgt>
+                                        </p:tgtEl>
+                                      </p:cBhvr>
+                                    </p:animEffect>
+                                  </p:childTnLst>
+                                </p:cTn>
+                              </p:par>
+                            </p:childTnLst>
+                          </p:cTn>
+                        </p:par>
+                      </p:childTnLst>
+                    </p:cTn>
+                  </p:par>
+                  <p:par>
+                    <p:cTn id="38" fill="hold">
+                      <p:stCondLst>
+                        <p:cond delay="indefinite"/>
+                      </p:stCondLst>
+                      <p:childTnLst>
+                        <p:par>
+                          <p:cTn id="39" fill="hold">
+                            <p:stCondLst>
+                              <p:cond delay="0"/>
+                            </p:stCondLst>
+                            <p:childTnLst>
+                              <p:par>
+                                <p:cTn id="40" presetID="10" presetClass="entr" presetSubtype="0" fill="hold" nodeType="clickEffect">
+                                  <p:stCondLst>
+                                    <p:cond delay="0"/>
+                                  </p:stCondLst>
+                                  <p:childTnLst>
+                                    <p:set>
+                                      <p:cBhvr>
+                                        <p:cTn id="41" dur="1" fill="hold">
+                                          <p:stCondLst>
+                                            <p:cond delay="0"/>
+                                          </p:stCondLst>
+                                        </p:cTn>
+                                        <p:tgtEl>
+                                          <p:spTgt spid="5"/>
+                                        </p:tgtEl>
+                                        <p:attrNameLst>
+                                          <p:attrName>style.visibility</p:attrName>
+                                        </p:attrNameLst>
+                                      </p:cBhvr>
+                                      <p:to>
+                                        <p:strVal val="visible"/>
+                                      </p:to>
+                                    </p:set>
+                                    <p:animEffect transition="in" filter="fade">
+                                      <p:cBhvr>
+                                        <p:cTn id="42" dur="500"/>
+                                        <p:tgtEl>
+                                          <p:spTgt spid="5"/>
+                                        </p:tgtEl>
+                                      </p:cBhvr>
+                                    </p:animEffect>
+                                  </p:childTnLst>
+                                </p:cTn>
+                              </p:par>
+                              <p:par>
+                                <p:cTn id="43" presetID="10" presetClass="entr" presetSubtype="0" fill="hold" grpId="0" nodeType="withEffect">
+                                  <p:stCondLst>
+                                    <p:cond delay="0"/>
+                                  </p:stCondLst>
+                                  <p:childTnLst>
+                                    <p:set>
+                                      <p:cBhvr>
+                                        <p:cTn id="44" dur="1" fill="hold">
+                                          <p:stCondLst>
+                                            <p:cond delay="0"/>
+                                          </p:stCondLst>
+                                        </p:cTn>
+                                        <p:tgtEl>
+                                          <p:spTgt spid="18"/>
+                                        </p:tgtEl>
+                                        <p:attrNameLst>
+                                          <p:attrName>style.visibility</p:attrName>
+                                        </p:attrNameLst>
+                                      </p:cBhvr>
+                                      <p:to>
+                                        <p:strVal val="visible"/>
+                                      </p:to>
+                                    </p:set>
+                                    <p:animEffect transition="in" filter="fade">
+                                      <p:cBhvr>
+                                        <p:cTn id="45" dur="500"/>
+                                        <p:tgtEl>
+                                          <p:spTgt spid="18"/>
+                                        </p:tgtEl>
+                                      </p:cBhvr>
+                                    </p:animEffect>
+                                  </p:childTnLst>
+                                </p:cTn>
+                              </p:par>
+                            </p:childTnLst>
+                          </p:cTn>
+                        </p:par>
+                      </p:childTnLst>
+                    </p:cTn>
+                  </p:par>
+                </p:childTnLst>
+              </p:cTn>
+              <p:prevCondLst>
+                <p:cond evt="onPrev" delay="0">
+                  <p:tgtEl>
+                    <p:sldTgt/>
+                  </p:tgtEl>
+                </p:cond>
+              </p:prevCondLst>
+              <p:nextCondLst>
+                <p:cond evt="onNext" delay="0">
+                  <p:tgtEl>
+                    <p:sldTgt/>
+                  </p:tgtEl>
+                </p:cond>
+              </p:nextCondLst>
+            </p:seq>
+          </p:childTnLst>
+        </p:cTn>
+      </p:par>
+    </p:tnLst>
+    <p:bldLst>
+      <p:bldP spid="3" grpId="0" build="p" bldLvl="2"/>
+      <p:bldP spid="18" grpId="0"/>
+    </p:bldLst>
+  </p:timing>
 </p:sld>
 </file>
 
@@ -37200,7 +40059,7 @@
           <a:p>
             <a:r>
               <a:rPr lang="en-US" altLang="ko-KR" dirty="0"/>
-              <a:t>Paging:  Also Too Slow</a:t>
+              <a:t>Paging Is  Also Too Slow</a:t>
             </a:r>
             <a:endParaRPr lang="ko-KR" altLang="en-US" dirty="0"/>
           </a:p>
@@ -37296,6 +40155,222 @@
       </p:transition>
     </mc:Fallback>
   </mc:AlternateContent>
+  <p:timing>
+    <p:tnLst>
+      <p:par>
+        <p:cTn id="1" dur="indefinite" restart="never" nodeType="tmRoot">
+          <p:childTnLst>
+            <p:seq concurrent="1" nextAc="seek">
+              <p:cTn id="2" dur="indefinite" nodeType="mainSeq">
+                <p:childTnLst>
+                  <p:par>
+                    <p:cTn id="3" fill="hold">
+                      <p:stCondLst>
+                        <p:cond delay="indefinite"/>
+                      </p:stCondLst>
+                      <p:childTnLst>
+                        <p:par>
+                          <p:cTn id="4" fill="hold">
+                            <p:stCondLst>
+                              <p:cond delay="0"/>
+                            </p:stCondLst>
+                            <p:childTnLst>
+                              <p:par>
+                                <p:cTn id="5" presetID="10" presetClass="entr" presetSubtype="0" fill="hold" grpId="0" nodeType="clickEffect">
+                                  <p:stCondLst>
+                                    <p:cond delay="0"/>
+                                  </p:stCondLst>
+                                  <p:childTnLst>
+                                    <p:set>
+                                      <p:cBhvr>
+                                        <p:cTn id="6" dur="1" fill="hold">
+                                          <p:stCondLst>
+                                            <p:cond delay="0"/>
+                                          </p:stCondLst>
+                                        </p:cTn>
+                                        <p:tgtEl>
+                                          <p:spTgt spid="3">
+                                            <p:txEl>
+                                              <p:pRg st="0" end="0"/>
+                                            </p:txEl>
+                                          </p:spTgt>
+                                        </p:tgtEl>
+                                        <p:attrNameLst>
+                                          <p:attrName>style.visibility</p:attrName>
+                                        </p:attrNameLst>
+                                      </p:cBhvr>
+                                      <p:to>
+                                        <p:strVal val="visible"/>
+                                      </p:to>
+                                    </p:set>
+                                    <p:animEffect transition="in" filter="fade">
+                                      <p:cBhvr>
+                                        <p:cTn id="7" dur="500"/>
+                                        <p:tgtEl>
+                                          <p:spTgt spid="3">
+                                            <p:txEl>
+                                              <p:pRg st="0" end="0"/>
+                                            </p:txEl>
+                                          </p:spTgt>
+                                        </p:tgtEl>
+                                      </p:cBhvr>
+                                    </p:animEffect>
+                                  </p:childTnLst>
+                                </p:cTn>
+                              </p:par>
+                            </p:childTnLst>
+                          </p:cTn>
+                        </p:par>
+                      </p:childTnLst>
+                    </p:cTn>
+                  </p:par>
+                  <p:par>
+                    <p:cTn id="8" fill="hold">
+                      <p:stCondLst>
+                        <p:cond delay="indefinite"/>
+                      </p:stCondLst>
+                      <p:childTnLst>
+                        <p:par>
+                          <p:cTn id="9" fill="hold">
+                            <p:stCondLst>
+                              <p:cond delay="0"/>
+                            </p:stCondLst>
+                            <p:childTnLst>
+                              <p:par>
+                                <p:cTn id="10" presetID="10" presetClass="entr" presetSubtype="0" fill="hold" grpId="0" nodeType="clickEffect">
+                                  <p:stCondLst>
+                                    <p:cond delay="0"/>
+                                  </p:stCondLst>
+                                  <p:childTnLst>
+                                    <p:set>
+                                      <p:cBhvr>
+                                        <p:cTn id="11" dur="1" fill="hold">
+                                          <p:stCondLst>
+                                            <p:cond delay="0"/>
+                                          </p:stCondLst>
+                                        </p:cTn>
+                                        <p:tgtEl>
+                                          <p:spTgt spid="3">
+                                            <p:txEl>
+                                              <p:pRg st="1" end="1"/>
+                                            </p:txEl>
+                                          </p:spTgt>
+                                        </p:tgtEl>
+                                        <p:attrNameLst>
+                                          <p:attrName>style.visibility</p:attrName>
+                                        </p:attrNameLst>
+                                      </p:cBhvr>
+                                      <p:to>
+                                        <p:strVal val="visible"/>
+                                      </p:to>
+                                    </p:set>
+                                    <p:animEffect transition="in" filter="fade">
+                                      <p:cBhvr>
+                                        <p:cTn id="12" dur="500"/>
+                                        <p:tgtEl>
+                                          <p:spTgt spid="3">
+                                            <p:txEl>
+                                              <p:pRg st="1" end="1"/>
+                                            </p:txEl>
+                                          </p:spTgt>
+                                        </p:tgtEl>
+                                      </p:cBhvr>
+                                    </p:animEffect>
+                                  </p:childTnLst>
+                                </p:cTn>
+                              </p:par>
+                            </p:childTnLst>
+                          </p:cTn>
+                        </p:par>
+                      </p:childTnLst>
+                    </p:cTn>
+                  </p:par>
+                  <p:par>
+                    <p:cTn id="13" fill="hold">
+                      <p:stCondLst>
+                        <p:cond delay="indefinite"/>
+                      </p:stCondLst>
+                      <p:childTnLst>
+                        <p:par>
+                          <p:cTn id="14" fill="hold">
+                            <p:stCondLst>
+                              <p:cond delay="0"/>
+                            </p:stCondLst>
+                            <p:childTnLst>
+                              <p:par>
+                                <p:cTn id="15" presetID="10" presetClass="entr" presetSubtype="0" fill="hold" grpId="0" nodeType="clickEffect">
+                                  <p:stCondLst>
+                                    <p:cond delay="0"/>
+                                  </p:stCondLst>
+                                  <p:childTnLst>
+                                    <p:set>
+                                      <p:cBhvr>
+                                        <p:cTn id="16" dur="1" fill="hold">
+                                          <p:stCondLst>
+                                            <p:cond delay="0"/>
+                                          </p:stCondLst>
+                                        </p:cTn>
+                                        <p:tgtEl>
+                                          <p:spTgt spid="3">
+                                            <p:txEl>
+                                              <p:pRg st="2" end="2"/>
+                                            </p:txEl>
+                                          </p:spTgt>
+                                        </p:tgtEl>
+                                        <p:attrNameLst>
+                                          <p:attrName>style.visibility</p:attrName>
+                                        </p:attrNameLst>
+                                      </p:cBhvr>
+                                      <p:to>
+                                        <p:strVal val="visible"/>
+                                      </p:to>
+                                    </p:set>
+                                    <p:animEffect transition="in" filter="fade">
+                                      <p:cBhvr>
+                                        <p:cTn id="17" dur="500"/>
+                                        <p:tgtEl>
+                                          <p:spTgt spid="3">
+                                            <p:txEl>
+                                              <p:pRg st="2" end="2"/>
+                                            </p:txEl>
+                                          </p:spTgt>
+                                        </p:tgtEl>
+                                      </p:cBhvr>
+                                    </p:animEffect>
+                                  </p:childTnLst>
+                                </p:cTn>
+                              </p:par>
+                            </p:childTnLst>
+                          </p:cTn>
+                        </p:par>
+                      </p:childTnLst>
+                    </p:cTn>
+                  </p:par>
+                </p:childTnLst>
+              </p:cTn>
+              <p:prevCondLst>
+                <p:cond evt="onPrev" delay="0">
+                  <p:tgtEl>
+                    <p:sldTgt/>
+                  </p:tgtEl>
+                </p:cond>
+              </p:prevCondLst>
+              <p:nextCondLst>
+                <p:cond evt="onNext" delay="0">
+                  <p:tgtEl>
+                    <p:sldTgt/>
+                  </p:tgtEl>
+                </p:cond>
+              </p:nextCondLst>
+            </p:seq>
+          </p:childTnLst>
+        </p:cTn>
+      </p:par>
+    </p:tnLst>
+    <p:bldLst>
+      <p:bldP spid="3" grpId="0" build="p"/>
+    </p:bldLst>
+  </p:timing>
 </p:sld>
 </file>
 
@@ -38428,14 +41503,14 @@
             <p:ph idx="1"/>
             <p:extLst>
               <p:ext uri="{D42A27DB-BD31-4B8C-83A1-F6EECF244321}">
-                <p14:modId xmlns:p14="http://schemas.microsoft.com/office/powerpoint/2010/main" val="3598481460"/>
+                <p14:modId xmlns:p14="http://schemas.microsoft.com/office/powerpoint/2010/main" val="1580602291"/>
               </p:ext>
             </p:extLst>
           </p:nvPr>
         </p:nvGraphicFramePr>
         <p:xfrm>
           <a:off x="431800" y="1809750"/>
-          <a:ext cx="8280399" cy="3931920"/>
+          <a:ext cx="8280399" cy="3882200"/>
         </p:xfrm>
         <a:graphic>
           <a:graphicData uri="http://schemas.openxmlformats.org/drawingml/2006/table">
@@ -38474,7 +41549,7 @@
                     <a:p>
                       <a:pPr>
                         <a:lnSpc>
-                          <a:spcPct val="90000"/>
+                          <a:spcPct val="80000"/>
                         </a:lnSpc>
                       </a:pPr>
                       <a:r>
@@ -38518,7 +41593,7 @@
                       </a:r>
                     </a:p>
                   </a:txBody>
-                  <a:tcPr>
+                  <a:tcPr marL="137160" marR="137160" marT="137160" marB="137160">
                     <a:lnR w="76200" cap="flat" cmpd="sng" algn="ctr">
                       <a:solidFill>
                         <a:schemeClr val="bg1"/>
@@ -38542,7 +41617,7 @@
                     <a:p>
                       <a:pPr lvl="0">
                         <a:lnSpc>
-                          <a:spcPct val="90000"/>
+                          <a:spcPct val="80000"/>
                         </a:lnSpc>
                       </a:pPr>
                       <a:r>
@@ -38555,7 +41630,7 @@
                       </a:r>
                     </a:p>
                   </a:txBody>
-                  <a:tcPr>
+                  <a:tcPr marL="137160" marR="137160" marT="137160" marB="137160">
                     <a:lnL w="76200" cap="flat" cmpd="sng" algn="ctr">
                       <a:solidFill>
                         <a:schemeClr val="bg1"/>
@@ -38588,7 +41663,7 @@
                     <a:p>
                       <a:pPr marL="0" marR="0" indent="0" algn="l" defTabSz="914047" rtl="0" eaLnBrk="1" fontAlgn="auto" latinLnBrk="0" hangingPunct="1">
                         <a:lnSpc>
-                          <a:spcPct val="90000"/>
+                          <a:spcPct val="80000"/>
                         </a:lnSpc>
                         <a:spcBef>
                           <a:spcPts val="0"/>
@@ -38613,7 +41688,7 @@
                       </a:r>
                     </a:p>
                   </a:txBody>
-                  <a:tcPr>
+                  <a:tcPr marL="137160" marR="137160" marT="137160" marB="137160">
                     <a:lnL w="76200" cap="flat" cmpd="sng" algn="ctr">
                       <a:solidFill>
                         <a:schemeClr val="bg1"/>
@@ -39159,6 +42234,64 @@
       </p:grpSpPr>
       <p:sp>
         <p:nvSpPr>
+          <p:cNvPr id="6" name="Rectangle 5">
+            <a:extLst>
+              <a:ext uri="{FF2B5EF4-FFF2-40B4-BE49-F238E27FC236}">
+                <a16:creationId xmlns:a16="http://schemas.microsoft.com/office/drawing/2014/main" id="{ACF566EF-F9BC-894A-96D3-FCB32865AA4F}"/>
+              </a:ext>
+            </a:extLst>
+          </p:cNvPr>
+          <p:cNvSpPr/>
+          <p:nvPr/>
+        </p:nvSpPr>
+        <p:spPr>
+          <a:xfrm>
+            <a:off x="4932362" y="1739044"/>
+            <a:ext cx="3779837" cy="4569682"/>
+          </a:xfrm>
+          <a:prstGeom prst="rect">
+            <a:avLst/>
+          </a:prstGeom>
+          <a:solidFill>
+            <a:srgbClr val="FAF2D4">
+              <a:alpha val="50196"/>
+            </a:srgbClr>
+          </a:solidFill>
+          <a:ln w="12700" cmpd="sng">
+            <a:noFill/>
+          </a:ln>
+        </p:spPr>
+        <p:style>
+          <a:lnRef idx="2">
+            <a:schemeClr val="accent1">
+              <a:shade val="50000"/>
+            </a:schemeClr>
+          </a:lnRef>
+          <a:fillRef idx="1">
+            <a:schemeClr val="accent1"/>
+          </a:fillRef>
+          <a:effectRef idx="0">
+            <a:schemeClr val="accent1"/>
+          </a:effectRef>
+          <a:fontRef idx="minor">
+            <a:schemeClr val="lt1"/>
+          </a:fontRef>
+        </p:style>
+        <p:txBody>
+          <a:bodyPr rtlCol="0" anchor="ctr"/>
+          <a:lstStyle/>
+          <a:p>
+            <a:pPr algn="ctr"/>
+            <a:endParaRPr lang="en-US" dirty="0">
+              <a:solidFill>
+                <a:schemeClr val="tx1"/>
+              </a:solidFill>
+            </a:endParaRPr>
+          </a:p>
+        </p:txBody>
+      </p:sp>
+      <p:sp>
+        <p:nvSpPr>
           <p:cNvPr id="2" name="Title 1"/>
           <p:cNvSpPr>
             <a:spLocks noGrp="1"/>
@@ -39197,7 +42330,9 @@
           </a:bodyPr>
           <a:lstStyle/>
           <a:p>
-            <a:pPr lvl="0"/>
+            <a:pPr marL="0" lvl="0" indent="0">
+              <a:buNone/>
+            </a:pPr>
             <a:r>
               <a:rPr lang="en-US" sz="4000" dirty="0">
                 <a:latin typeface="Myriad Pro Condensed" panose="020B0506030403020204" pitchFamily="34" charset="0"/>
@@ -39250,13 +42385,27 @@
             <p:ph sz="quarter" idx="12"/>
           </p:nvPr>
         </p:nvSpPr>
-        <p:spPr/>
+        <p:spPr>
+          <a:xfrm>
+            <a:off x="4775188" y="1809750"/>
+            <a:ext cx="3852862" cy="4679950"/>
+          </a:xfrm>
+        </p:spPr>
         <p:txBody>
-          <a:bodyPr/>
+          <a:bodyPr>
+            <a:normAutofit/>
+          </a:bodyPr>
           <a:lstStyle/>
           <a:p>
+            <a:pPr>
+              <a:buClr>
+                <a:srgbClr val="FDF9E9"/>
+              </a:buClr>
+            </a:pPr>
             <a:r>
-              <a:rPr lang="en-US" dirty="0"/>
+              <a:rPr lang="en-US" sz="3200" dirty="0">
+                <a:latin typeface="Myriad Pro Condensed" panose="020B0506030403020204" pitchFamily="34" charset="0"/>
+              </a:rPr>
               <a:t>UNIX fork with copy on write</a:t>
             </a:r>
           </a:p>
@@ -39524,6 +42673,41 @@
                                   </p:childTnLst>
                                 </p:cTn>
                               </p:par>
+                              <p:par>
+                                <p:cTn id="19" presetID="10" presetClass="entr" presetSubtype="0" fill="hold" grpId="0" nodeType="withEffect">
+                                  <p:stCondLst>
+                                    <p:cond delay="0"/>
+                                  </p:stCondLst>
+                                  <p:childTnLst>
+                                    <p:set>
+                                      <p:cBhvr>
+                                        <p:cTn id="20" dur="1" fill="hold">
+                                          <p:stCondLst>
+                                            <p:cond delay="0"/>
+                                          </p:stCondLst>
+                                        </p:cTn>
+                                        <p:tgtEl>
+                                          <p:spTgt spid="6"/>
+                                        </p:tgtEl>
+                                        <p:attrNameLst>
+                                          <p:attrName>style.visibility</p:attrName>
+                                        </p:attrNameLst>
+                                      </p:cBhvr>
+                                      <p:to>
+                                        <p:strVal val="visible"/>
+                                      </p:to>
+                                    </p:set>
+                                    <p:animEffect transition="in" filter="fade">
+                                      <p:cBhvr>
+                                        <p:cTn id="21" dur="500"/>
+                                        <p:tgtEl>
+                                          <p:spTgt spid="6"/>
+                                        </p:tgtEl>
+                                      </p:cBhvr>
+                                    </p:animEffect>
+                                  </p:childTnLst>
+                                </p:cTn>
+                              </p:par>
                             </p:childTnLst>
                           </p:cTn>
                         </p:par>
@@ -39531,26 +42715,26 @@
                     </p:cTn>
                   </p:par>
                   <p:par>
-                    <p:cTn id="19" fill="hold">
+                    <p:cTn id="22" fill="hold">
                       <p:stCondLst>
                         <p:cond delay="indefinite"/>
                       </p:stCondLst>
                       <p:childTnLst>
                         <p:par>
-                          <p:cTn id="20" fill="hold">
+                          <p:cTn id="23" fill="hold">
                             <p:stCondLst>
                               <p:cond delay="0"/>
                             </p:stCondLst>
                             <p:childTnLst>
                               <p:par>
-                                <p:cTn id="21" presetID="1" presetClass="entr" presetSubtype="0" fill="hold" grpId="0" nodeType="clickEffect">
+                                <p:cTn id="24" presetID="1" presetClass="entr" presetSubtype="0" fill="hold" grpId="0" nodeType="clickEffect">
                                   <p:stCondLst>
                                     <p:cond delay="0"/>
                                   </p:stCondLst>
                                   <p:childTnLst>
                                     <p:set>
                                       <p:cBhvr>
-                                        <p:cTn id="22" dur="1" fill="hold">
+                                        <p:cTn id="25" dur="1" fill="hold">
                                           <p:stCondLst>
                                             <p:cond delay="0"/>
                                           </p:stCondLst>
@@ -39580,26 +42764,26 @@
                     </p:cTn>
                   </p:par>
                   <p:par>
-                    <p:cTn id="23" fill="hold">
+                    <p:cTn id="26" fill="hold">
                       <p:stCondLst>
                         <p:cond delay="indefinite"/>
                       </p:stCondLst>
                       <p:childTnLst>
                         <p:par>
-                          <p:cTn id="24" fill="hold">
+                          <p:cTn id="27" fill="hold">
                             <p:stCondLst>
                               <p:cond delay="0"/>
                             </p:stCondLst>
                             <p:childTnLst>
                               <p:par>
-                                <p:cTn id="25" presetID="1" presetClass="entr" presetSubtype="0" fill="hold" grpId="0" nodeType="clickEffect">
+                                <p:cTn id="28" presetID="1" presetClass="entr" presetSubtype="0" fill="hold" grpId="0" nodeType="clickEffect">
                                   <p:stCondLst>
                                     <p:cond delay="0"/>
                                   </p:stCondLst>
                                   <p:childTnLst>
                                     <p:set>
                                       <p:cBhvr>
-                                        <p:cTn id="26" dur="1" fill="hold">
+                                        <p:cTn id="29" dur="1" fill="hold">
                                           <p:stCondLst>
                                             <p:cond delay="0"/>
                                           </p:stCondLst>
@@ -39629,26 +42813,26 @@
                     </p:cTn>
                   </p:par>
                   <p:par>
-                    <p:cTn id="27" fill="hold">
+                    <p:cTn id="30" fill="hold">
                       <p:stCondLst>
                         <p:cond delay="indefinite"/>
                       </p:stCondLst>
                       <p:childTnLst>
                         <p:par>
-                          <p:cTn id="28" fill="hold">
+                          <p:cTn id="31" fill="hold">
                             <p:stCondLst>
                               <p:cond delay="0"/>
                             </p:stCondLst>
                             <p:childTnLst>
                               <p:par>
-                                <p:cTn id="29" presetID="1" presetClass="entr" presetSubtype="0" fill="hold" grpId="0" nodeType="clickEffect">
+                                <p:cTn id="32" presetID="1" presetClass="entr" presetSubtype="0" fill="hold" grpId="0" nodeType="clickEffect">
                                   <p:stCondLst>
                                     <p:cond delay="0"/>
                                   </p:stCondLst>
                                   <p:childTnLst>
                                     <p:set>
                                       <p:cBhvr>
-                                        <p:cTn id="30" dur="1" fill="hold">
+                                        <p:cTn id="33" dur="1" fill="hold">
                                           <p:stCondLst>
                                             <p:cond delay="0"/>
                                           </p:stCondLst>
@@ -39678,26 +42862,26 @@
                     </p:cTn>
                   </p:par>
                   <p:par>
-                    <p:cTn id="31" fill="hold">
+                    <p:cTn id="34" fill="hold">
                       <p:stCondLst>
                         <p:cond delay="indefinite"/>
                       </p:stCondLst>
                       <p:childTnLst>
                         <p:par>
-                          <p:cTn id="32" fill="hold">
+                          <p:cTn id="35" fill="hold">
                             <p:stCondLst>
                               <p:cond delay="0"/>
                             </p:stCondLst>
                             <p:childTnLst>
                               <p:par>
-                                <p:cTn id="33" presetID="1" presetClass="entr" presetSubtype="0" fill="hold" grpId="0" nodeType="clickEffect">
+                                <p:cTn id="36" presetID="1" presetClass="entr" presetSubtype="0" fill="hold" grpId="0" nodeType="clickEffect">
                                   <p:stCondLst>
                                     <p:cond delay="0"/>
                                   </p:stCondLst>
                                   <p:childTnLst>
                                     <p:set>
                                       <p:cBhvr>
-                                        <p:cTn id="34" dur="1" fill="hold">
+                                        <p:cTn id="37" dur="1" fill="hold">
                                           <p:stCondLst>
                                             <p:cond delay="0"/>
                                           </p:stCondLst>
@@ -39727,26 +42911,26 @@
                     </p:cTn>
                   </p:par>
                   <p:par>
-                    <p:cTn id="35" fill="hold">
+                    <p:cTn id="38" fill="hold">
                       <p:stCondLst>
                         <p:cond delay="indefinite"/>
                       </p:stCondLst>
                       <p:childTnLst>
                         <p:par>
-                          <p:cTn id="36" fill="hold">
+                          <p:cTn id="39" fill="hold">
                             <p:stCondLst>
                               <p:cond delay="0"/>
                             </p:stCondLst>
                             <p:childTnLst>
                               <p:par>
-                                <p:cTn id="37" presetID="1" presetClass="entr" presetSubtype="0" fill="hold" grpId="0" nodeType="clickEffect">
+                                <p:cTn id="40" presetID="1" presetClass="entr" presetSubtype="0" fill="hold" grpId="0" nodeType="clickEffect">
                                   <p:stCondLst>
                                     <p:cond delay="0"/>
                                   </p:stCondLst>
                                   <p:childTnLst>
                                     <p:set>
                                       <p:cBhvr>
-                                        <p:cTn id="38" dur="1" fill="hold">
+                                        <p:cTn id="41" dur="1" fill="hold">
                                           <p:stCondLst>
                                             <p:cond delay="0"/>
                                           </p:stCondLst>
@@ -39776,26 +42960,26 @@
                     </p:cTn>
                   </p:par>
                   <p:par>
-                    <p:cTn id="39" fill="hold">
+                    <p:cTn id="42" fill="hold">
                       <p:stCondLst>
                         <p:cond delay="indefinite"/>
                       </p:stCondLst>
                       <p:childTnLst>
                         <p:par>
-                          <p:cTn id="40" fill="hold">
+                          <p:cTn id="43" fill="hold">
                             <p:stCondLst>
                               <p:cond delay="0"/>
                             </p:stCondLst>
                             <p:childTnLst>
                               <p:par>
-                                <p:cTn id="41" presetID="1" presetClass="entr" presetSubtype="0" fill="hold" grpId="0" nodeType="clickEffect">
+                                <p:cTn id="44" presetID="1" presetClass="entr" presetSubtype="0" fill="hold" grpId="0" nodeType="clickEffect">
                                   <p:stCondLst>
                                     <p:cond delay="0"/>
                                   </p:stCondLst>
                                   <p:childTnLst>
                                     <p:set>
                                       <p:cBhvr>
-                                        <p:cTn id="42" dur="1" fill="hold">
+                                        <p:cTn id="45" dur="1" fill="hold">
                                           <p:stCondLst>
                                             <p:cond delay="0"/>
                                           </p:stCondLst>
@@ -39846,8 +43030,9 @@
       </p:par>
     </p:tnLst>
     <p:bldLst>
+      <p:bldP spid="6" grpId="0" animBg="1"/>
       <p:bldP spid="3" grpId="0" uiExpand="1" build="p" bldLvl="2"/>
-      <p:bldP spid="5" grpId="0" build="p" bldLvl="2"/>
+      <p:bldP spid="5" grpId="0" uiExpand="1" build="p" bldLvl="2"/>
     </p:bldLst>
   </p:timing>
 </p:sld>
@@ -39907,6 +43092,9 @@
           <a:bodyPr/>
           <a:lstStyle/>
           <a:p>
+            <a:pPr marL="0" indent="0">
+              <a:buNone/>
+            </a:pPr>
             <a:r>
               <a:rPr lang="en-US" sz="4000" dirty="0">
                 <a:latin typeface="Myriad Pro Condensed" panose="020B0506030403020204" pitchFamily="34" charset="0"/>
@@ -40373,9 +43561,14 @@
           <a:bodyPr/>
           <a:lstStyle/>
           <a:p>
+            <a:pPr marL="0" indent="0">
+              <a:buNone/>
+            </a:pPr>
             <a:r>
-              <a:rPr lang="en-US" dirty="0"/>
-              <a:t>Might want many separate dynamic modules</a:t>
+              <a:rPr lang="en-US" sz="4000" dirty="0">
+                <a:latin typeface="Myriad Pro Condensed" panose="020B0506030403020204" pitchFamily="34" charset="0"/>
+              </a:rPr>
+              <a:t>I may want many separate dynamic modules</a:t>
             </a:r>
           </a:p>
           <a:p>
@@ -40407,6 +43600,9 @@
             </a:r>
           </a:p>
           <a:p>
+            <a:pPr marL="0" indent="0">
+              <a:buNone/>
+            </a:pPr>
             <a:r>
               <a:rPr lang="en-US" sz="4000" dirty="0">
                 <a:latin typeface="Myriad Pro Condensed" panose="020B0506030403020204" pitchFamily="34" charset="0"/>
@@ -40473,7 +43669,7 @@
         </p:nvSpPr>
         <p:spPr>
           <a:xfrm>
-            <a:off x="961861" y="4827584"/>
+            <a:off x="961861" y="5074424"/>
             <a:ext cx="5933034" cy="461665"/>
           </a:xfrm>
           <a:prstGeom prst="rect">
@@ -40544,7 +43740,7 @@
         </p:nvSpPr>
         <p:spPr>
           <a:xfrm>
-            <a:off x="961861" y="4381794"/>
+            <a:off x="961861" y="4628634"/>
             <a:ext cx="5089855" cy="461665"/>
           </a:xfrm>
           <a:prstGeom prst="rect">
@@ -40656,15 +43852,33 @@
                                   </p:childTnLst>
                                 </p:cTn>
                               </p:par>
+                            </p:childTnLst>
+                          </p:cTn>
+                        </p:par>
+                      </p:childTnLst>
+                    </p:cTn>
+                  </p:par>
+                  <p:par>
+                    <p:cTn id="7" fill="hold">
+                      <p:stCondLst>
+                        <p:cond delay="indefinite"/>
+                      </p:stCondLst>
+                      <p:childTnLst>
+                        <p:par>
+                          <p:cTn id="8" fill="hold">
+                            <p:stCondLst>
+                              <p:cond delay="0"/>
+                            </p:stCondLst>
+                            <p:childTnLst>
                               <p:par>
-                                <p:cTn id="7" presetID="1" presetClass="entr" presetSubtype="0" fill="hold" grpId="0" nodeType="withEffect">
+                                <p:cTn id="9" presetID="1" presetClass="entr" presetSubtype="0" fill="hold" grpId="0" nodeType="clickEffect">
                                   <p:stCondLst>
                                     <p:cond delay="0"/>
                                   </p:stCondLst>
                                   <p:childTnLst>
                                     <p:set>
                                       <p:cBhvr>
-                                        <p:cTn id="8" dur="1" fill="hold">
+                                        <p:cTn id="10" dur="1" fill="hold">
                                           <p:stCondLst>
                                             <p:cond delay="0"/>
                                           </p:stCondLst>
@@ -40687,70 +43901,26 @@
                                   </p:childTnLst>
                                 </p:cTn>
                               </p:par>
+                            </p:childTnLst>
+                          </p:cTn>
+                        </p:par>
+                      </p:childTnLst>
+                    </p:cTn>
+                  </p:par>
+                  <p:par>
+                    <p:cTn id="11" fill="hold">
+                      <p:stCondLst>
+                        <p:cond delay="indefinite"/>
+                      </p:stCondLst>
+                      <p:childTnLst>
+                        <p:par>
+                          <p:cTn id="12" fill="hold">
+                            <p:stCondLst>
+                              <p:cond delay="0"/>
+                            </p:stCondLst>
+                            <p:childTnLst>
                               <p:par>
-                                <p:cTn id="9" presetID="1" presetClass="entr" presetSubtype="0" fill="hold" grpId="0" nodeType="withEffect">
-                                  <p:stCondLst>
-                                    <p:cond delay="0"/>
-                                  </p:stCondLst>
-                                  <p:childTnLst>
-                                    <p:set>
-                                      <p:cBhvr>
-                                        <p:cTn id="10" dur="1" fill="hold">
-                                          <p:stCondLst>
-                                            <p:cond delay="0"/>
-                                          </p:stCondLst>
-                                        </p:cTn>
-                                        <p:tgtEl>
-                                          <p:spTgt spid="3">
-                                            <p:txEl>
-                                              <p:pRg st="2" end="2"/>
-                                            </p:txEl>
-                                          </p:spTgt>
-                                        </p:tgtEl>
-                                        <p:attrNameLst>
-                                          <p:attrName>style.visibility</p:attrName>
-                                        </p:attrNameLst>
-                                      </p:cBhvr>
-                                      <p:to>
-                                        <p:strVal val="visible"/>
-                                      </p:to>
-                                    </p:set>
-                                  </p:childTnLst>
-                                </p:cTn>
-                              </p:par>
-                              <p:par>
-                                <p:cTn id="11" presetID="1" presetClass="entr" presetSubtype="0" fill="hold" grpId="0" nodeType="withEffect">
-                                  <p:stCondLst>
-                                    <p:cond delay="0"/>
-                                  </p:stCondLst>
-                                  <p:childTnLst>
-                                    <p:set>
-                                      <p:cBhvr>
-                                        <p:cTn id="12" dur="1" fill="hold">
-                                          <p:stCondLst>
-                                            <p:cond delay="0"/>
-                                          </p:stCondLst>
-                                        </p:cTn>
-                                        <p:tgtEl>
-                                          <p:spTgt spid="3">
-                                            <p:txEl>
-                                              <p:pRg st="3" end="3"/>
-                                            </p:txEl>
-                                          </p:spTgt>
-                                        </p:tgtEl>
-                                        <p:attrNameLst>
-                                          <p:attrName>style.visibility</p:attrName>
-                                        </p:attrNameLst>
-                                      </p:cBhvr>
-                                      <p:to>
-                                        <p:strVal val="visible"/>
-                                      </p:to>
-                                    </p:set>
-                                  </p:childTnLst>
-                                </p:cTn>
-                              </p:par>
-                              <p:par>
-                                <p:cTn id="13" presetID="1" presetClass="entr" presetSubtype="0" fill="hold" grpId="0" nodeType="withEffect">
+                                <p:cTn id="13" presetID="1" presetClass="entr" presetSubtype="0" fill="hold" grpId="0" nodeType="clickEffect">
                                   <p:stCondLst>
                                     <p:cond delay="0"/>
                                   </p:stCondLst>
@@ -40765,7 +43935,7 @@
                                         <p:tgtEl>
                                           <p:spTgt spid="3">
                                             <p:txEl>
-                                              <p:pRg st="4" end="4"/>
+                                              <p:pRg st="2" end="2"/>
                                             </p:txEl>
                                           </p:spTgt>
                                         </p:tgtEl>
@@ -40814,7 +43984,7 @@
                                         <p:tgtEl>
                                           <p:spTgt spid="3">
                                             <p:txEl>
-                                              <p:pRg st="5" end="5"/>
+                                              <p:pRg st="3" end="3"/>
                                             </p:txEl>
                                           </p:spTgt>
                                         </p:tgtEl>
@@ -40863,7 +44033,7 @@
                                         <p:tgtEl>
                                           <p:spTgt spid="3">
                                             <p:txEl>
-                                              <p:pRg st="6" end="6"/>
+                                              <p:pRg st="4" end="4"/>
                                             </p:txEl>
                                           </p:spTgt>
                                         </p:tgtEl>
@@ -40910,7 +44080,11 @@
                                           </p:stCondLst>
                                         </p:cTn>
                                         <p:tgtEl>
-                                          <p:spTgt spid="7"/>
+                                          <p:spTgt spid="3">
+                                            <p:txEl>
+                                              <p:pRg st="5" end="5"/>
+                                            </p:txEl>
+                                          </p:spTgt>
                                         </p:tgtEl>
                                         <p:attrNameLst>
                                           <p:attrName>style.visibility</p:attrName>
@@ -40957,7 +44131,7 @@
                                         <p:tgtEl>
                                           <p:spTgt spid="3">
                                             <p:txEl>
-                                              <p:pRg st="7" end="7"/>
+                                              <p:pRg st="6" end="6"/>
                                             </p:txEl>
                                           </p:spTgt>
                                         </p:tgtEl>
@@ -40999,6 +44173,100 @@
                                     <p:set>
                                       <p:cBhvr>
                                         <p:cTn id="34" dur="1" fill="hold">
+                                          <p:stCondLst>
+                                            <p:cond delay="0"/>
+                                          </p:stCondLst>
+                                        </p:cTn>
+                                        <p:tgtEl>
+                                          <p:spTgt spid="7"/>
+                                        </p:tgtEl>
+                                        <p:attrNameLst>
+                                          <p:attrName>style.visibility</p:attrName>
+                                        </p:attrNameLst>
+                                      </p:cBhvr>
+                                      <p:to>
+                                        <p:strVal val="visible"/>
+                                      </p:to>
+                                    </p:set>
+                                  </p:childTnLst>
+                                </p:cTn>
+                              </p:par>
+                            </p:childTnLst>
+                          </p:cTn>
+                        </p:par>
+                      </p:childTnLst>
+                    </p:cTn>
+                  </p:par>
+                  <p:par>
+                    <p:cTn id="35" fill="hold">
+                      <p:stCondLst>
+                        <p:cond delay="indefinite"/>
+                      </p:stCondLst>
+                      <p:childTnLst>
+                        <p:par>
+                          <p:cTn id="36" fill="hold">
+                            <p:stCondLst>
+                              <p:cond delay="0"/>
+                            </p:stCondLst>
+                            <p:childTnLst>
+                              <p:par>
+                                <p:cTn id="37" presetID="1" presetClass="entr" presetSubtype="0" fill="hold" grpId="0" nodeType="clickEffect">
+                                  <p:stCondLst>
+                                    <p:cond delay="0"/>
+                                  </p:stCondLst>
+                                  <p:childTnLst>
+                                    <p:set>
+                                      <p:cBhvr>
+                                        <p:cTn id="38" dur="1" fill="hold">
+                                          <p:stCondLst>
+                                            <p:cond delay="0"/>
+                                          </p:stCondLst>
+                                        </p:cTn>
+                                        <p:tgtEl>
+                                          <p:spTgt spid="3">
+                                            <p:txEl>
+                                              <p:pRg st="7" end="7"/>
+                                            </p:txEl>
+                                          </p:spTgt>
+                                        </p:tgtEl>
+                                        <p:attrNameLst>
+                                          <p:attrName>style.visibility</p:attrName>
+                                        </p:attrNameLst>
+                                      </p:cBhvr>
+                                      <p:to>
+                                        <p:strVal val="visible"/>
+                                      </p:to>
+                                    </p:set>
+                                  </p:childTnLst>
+                                </p:cTn>
+                              </p:par>
+                            </p:childTnLst>
+                          </p:cTn>
+                        </p:par>
+                      </p:childTnLst>
+                    </p:cTn>
+                  </p:par>
+                  <p:par>
+                    <p:cTn id="39" fill="hold">
+                      <p:stCondLst>
+                        <p:cond delay="indefinite"/>
+                      </p:stCondLst>
+                      <p:childTnLst>
+                        <p:par>
+                          <p:cTn id="40" fill="hold">
+                            <p:stCondLst>
+                              <p:cond delay="0"/>
+                            </p:stCondLst>
+                            <p:childTnLst>
+                              <p:par>
+                                <p:cTn id="41" presetID="1" presetClass="entr" presetSubtype="0" fill="hold" grpId="0" nodeType="clickEffect">
+                                  <p:stCondLst>
+                                    <p:cond delay="0"/>
+                                  </p:stCondLst>
+                                  <p:childTnLst>
+                                    <p:set>
+                                      <p:cBhvr>
+                                        <p:cTn id="42" dur="1" fill="hold">
                                           <p:stCondLst>
                                             <p:cond delay="0"/>
                                           </p:stCondLst>
@@ -42565,10 +45833,10 @@
       </p:sp>
       <p:sp>
         <p:nvSpPr>
-          <p:cNvPr id="9" name="Text Placeholder 8">
+          <p:cNvPr id="11" name="Text Placeholder 10">
             <a:extLst>
               <a:ext uri="{FF2B5EF4-FFF2-40B4-BE49-F238E27FC236}">
-                <a16:creationId xmlns:a16="http://schemas.microsoft.com/office/drawing/2014/main" id="{13048006-AA97-E44A-BE4D-62EF3463AD32}"/>
+                <a16:creationId xmlns:a16="http://schemas.microsoft.com/office/drawing/2014/main" id="{40C22FC2-8117-C54C-9503-427A1F383E46}"/>
               </a:ext>
             </a:extLst>
           </p:cNvPr>
@@ -42585,40 +45853,6 @@
           <a:lstStyle/>
           <a:p>
             <a:endParaRPr lang="en-US"/>
-          </a:p>
-        </p:txBody>
-      </p:sp>
-      <p:sp>
-        <p:nvSpPr>
-          <p:cNvPr id="5" name="바닥글 개체 틀 4"/>
-          <p:cNvSpPr>
-            <a:spLocks noGrp="1"/>
-          </p:cNvSpPr>
-          <p:nvPr>
-            <p:ph type="ftr" sz="quarter" idx="3"/>
-          </p:nvPr>
-        </p:nvSpPr>
-        <p:spPr/>
-        <p:txBody>
-          <a:bodyPr/>
-          <a:lstStyle/>
-          <a:p>
-            <a:pPr>
-              <a:defRPr/>
-            </a:pPr>
-            <a:r>
-              <a:rPr lang="en-US" altLang="ko-KR">
-                <a:solidFill>
-                  <a:prstClr val="black"/>
-                </a:solidFill>
-              </a:rPr>
-              <a:t>Youjip Won</a:t>
-            </a:r>
-            <a:endParaRPr lang="ko-KR" altLang="en-US">
-              <a:solidFill>
-                <a:prstClr val="black"/>
-              </a:solidFill>
-            </a:endParaRPr>
           </a:p>
         </p:txBody>
       </p:sp>
@@ -42644,6 +45878,559 @@
       </p:transition>
     </mc:Fallback>
   </mc:AlternateContent>
+  <p:timing>
+    <p:tnLst>
+      <p:par>
+        <p:cTn id="1" dur="indefinite" restart="never" nodeType="tmRoot">
+          <p:childTnLst>
+            <p:seq concurrent="1" nextAc="seek">
+              <p:cTn id="2" dur="indefinite" nodeType="mainSeq">
+                <p:childTnLst>
+                  <p:par>
+                    <p:cTn id="3" fill="hold">
+                      <p:stCondLst>
+                        <p:cond delay="indefinite"/>
+                      </p:stCondLst>
+                      <p:childTnLst>
+                        <p:par>
+                          <p:cTn id="4" fill="hold">
+                            <p:stCondLst>
+                              <p:cond delay="0"/>
+                            </p:stCondLst>
+                            <p:childTnLst>
+                              <p:par>
+                                <p:cTn id="5" presetID="10" presetClass="entr" presetSubtype="0" fill="hold" grpId="0" nodeType="clickEffect">
+                                  <p:stCondLst>
+                                    <p:cond delay="0"/>
+                                  </p:stCondLst>
+                                  <p:childTnLst>
+                                    <p:set>
+                                      <p:cBhvr>
+                                        <p:cTn id="6" dur="1" fill="hold">
+                                          <p:stCondLst>
+                                            <p:cond delay="0"/>
+                                          </p:stCondLst>
+                                        </p:cTn>
+                                        <p:tgtEl>
+                                          <p:spTgt spid="3">
+                                            <p:txEl>
+                                              <p:pRg st="0" end="0"/>
+                                            </p:txEl>
+                                          </p:spTgt>
+                                        </p:tgtEl>
+                                        <p:attrNameLst>
+                                          <p:attrName>style.visibility</p:attrName>
+                                        </p:attrNameLst>
+                                      </p:cBhvr>
+                                      <p:to>
+                                        <p:strVal val="visible"/>
+                                      </p:to>
+                                    </p:set>
+                                    <p:animEffect transition="in" filter="fade">
+                                      <p:cBhvr>
+                                        <p:cTn id="7" dur="500"/>
+                                        <p:tgtEl>
+                                          <p:spTgt spid="3">
+                                            <p:txEl>
+                                              <p:pRg st="0" end="0"/>
+                                            </p:txEl>
+                                          </p:spTgt>
+                                        </p:tgtEl>
+                                      </p:cBhvr>
+                                    </p:animEffect>
+                                  </p:childTnLst>
+                                </p:cTn>
+                              </p:par>
+                            </p:childTnLst>
+                          </p:cTn>
+                        </p:par>
+                      </p:childTnLst>
+                    </p:cTn>
+                  </p:par>
+                  <p:par>
+                    <p:cTn id="8" fill="hold">
+                      <p:stCondLst>
+                        <p:cond delay="indefinite"/>
+                      </p:stCondLst>
+                      <p:childTnLst>
+                        <p:par>
+                          <p:cTn id="9" fill="hold">
+                            <p:stCondLst>
+                              <p:cond delay="0"/>
+                            </p:stCondLst>
+                            <p:childTnLst>
+                              <p:par>
+                                <p:cTn id="10" presetID="10" presetClass="entr" presetSubtype="0" fill="hold" grpId="0" nodeType="clickEffect">
+                                  <p:stCondLst>
+                                    <p:cond delay="0"/>
+                                  </p:stCondLst>
+                                  <p:childTnLst>
+                                    <p:set>
+                                      <p:cBhvr>
+                                        <p:cTn id="11" dur="1" fill="hold">
+                                          <p:stCondLst>
+                                            <p:cond delay="0"/>
+                                          </p:stCondLst>
+                                        </p:cTn>
+                                        <p:tgtEl>
+                                          <p:spTgt spid="3">
+                                            <p:txEl>
+                                              <p:pRg st="1" end="1"/>
+                                            </p:txEl>
+                                          </p:spTgt>
+                                        </p:tgtEl>
+                                        <p:attrNameLst>
+                                          <p:attrName>style.visibility</p:attrName>
+                                        </p:attrNameLst>
+                                      </p:cBhvr>
+                                      <p:to>
+                                        <p:strVal val="visible"/>
+                                      </p:to>
+                                    </p:set>
+                                    <p:animEffect transition="in" filter="fade">
+                                      <p:cBhvr>
+                                        <p:cTn id="12" dur="500"/>
+                                        <p:tgtEl>
+                                          <p:spTgt spid="3">
+                                            <p:txEl>
+                                              <p:pRg st="1" end="1"/>
+                                            </p:txEl>
+                                          </p:spTgt>
+                                        </p:tgtEl>
+                                      </p:cBhvr>
+                                    </p:animEffect>
+                                  </p:childTnLst>
+                                </p:cTn>
+                              </p:par>
+                              <p:par>
+                                <p:cTn id="13" presetID="10" presetClass="entr" presetSubtype="0" fill="hold" grpId="0" nodeType="withEffect">
+                                  <p:stCondLst>
+                                    <p:cond delay="0"/>
+                                  </p:stCondLst>
+                                  <p:childTnLst>
+                                    <p:set>
+                                      <p:cBhvr>
+                                        <p:cTn id="14" dur="1" fill="hold">
+                                          <p:stCondLst>
+                                            <p:cond delay="0"/>
+                                          </p:stCondLst>
+                                        </p:cTn>
+                                        <p:tgtEl>
+                                          <p:spTgt spid="3">
+                                            <p:txEl>
+                                              <p:pRg st="2" end="2"/>
+                                            </p:txEl>
+                                          </p:spTgt>
+                                        </p:tgtEl>
+                                        <p:attrNameLst>
+                                          <p:attrName>style.visibility</p:attrName>
+                                        </p:attrNameLst>
+                                      </p:cBhvr>
+                                      <p:to>
+                                        <p:strVal val="visible"/>
+                                      </p:to>
+                                    </p:set>
+                                    <p:animEffect transition="in" filter="fade">
+                                      <p:cBhvr>
+                                        <p:cTn id="15" dur="500"/>
+                                        <p:tgtEl>
+                                          <p:spTgt spid="3">
+                                            <p:txEl>
+                                              <p:pRg st="2" end="2"/>
+                                            </p:txEl>
+                                          </p:spTgt>
+                                        </p:tgtEl>
+                                      </p:cBhvr>
+                                    </p:animEffect>
+                                  </p:childTnLst>
+                                </p:cTn>
+                              </p:par>
+                            </p:childTnLst>
+                          </p:cTn>
+                        </p:par>
+                      </p:childTnLst>
+                    </p:cTn>
+                  </p:par>
+                  <p:par>
+                    <p:cTn id="16" fill="hold">
+                      <p:stCondLst>
+                        <p:cond delay="indefinite"/>
+                      </p:stCondLst>
+                      <p:childTnLst>
+                        <p:par>
+                          <p:cTn id="17" fill="hold">
+                            <p:stCondLst>
+                              <p:cond delay="0"/>
+                            </p:stCondLst>
+                            <p:childTnLst>
+                              <p:par>
+                                <p:cTn id="18" presetID="10" presetClass="entr" presetSubtype="0" fill="hold" grpId="0" nodeType="clickEffect">
+                                  <p:stCondLst>
+                                    <p:cond delay="0"/>
+                                  </p:stCondLst>
+                                  <p:childTnLst>
+                                    <p:set>
+                                      <p:cBhvr>
+                                        <p:cTn id="19" dur="1" fill="hold">
+                                          <p:stCondLst>
+                                            <p:cond delay="0"/>
+                                          </p:stCondLst>
+                                        </p:cTn>
+                                        <p:tgtEl>
+                                          <p:spTgt spid="3">
+                                            <p:txEl>
+                                              <p:pRg st="3" end="3"/>
+                                            </p:txEl>
+                                          </p:spTgt>
+                                        </p:tgtEl>
+                                        <p:attrNameLst>
+                                          <p:attrName>style.visibility</p:attrName>
+                                        </p:attrNameLst>
+                                      </p:cBhvr>
+                                      <p:to>
+                                        <p:strVal val="visible"/>
+                                      </p:to>
+                                    </p:set>
+                                    <p:animEffect transition="in" filter="fade">
+                                      <p:cBhvr>
+                                        <p:cTn id="20" dur="500"/>
+                                        <p:tgtEl>
+                                          <p:spTgt spid="3">
+                                            <p:txEl>
+                                              <p:pRg st="3" end="3"/>
+                                            </p:txEl>
+                                          </p:spTgt>
+                                        </p:tgtEl>
+                                      </p:cBhvr>
+                                    </p:animEffect>
+                                  </p:childTnLst>
+                                </p:cTn>
+                              </p:par>
+                            </p:childTnLst>
+                          </p:cTn>
+                        </p:par>
+                      </p:childTnLst>
+                    </p:cTn>
+                  </p:par>
+                  <p:par>
+                    <p:cTn id="21" fill="hold">
+                      <p:stCondLst>
+                        <p:cond delay="indefinite"/>
+                      </p:stCondLst>
+                      <p:childTnLst>
+                        <p:par>
+                          <p:cTn id="22" fill="hold">
+                            <p:stCondLst>
+                              <p:cond delay="0"/>
+                            </p:stCondLst>
+                            <p:childTnLst>
+                              <p:par>
+                                <p:cTn id="23" presetID="10" presetClass="entr" presetSubtype="0" fill="hold" grpId="0" nodeType="clickEffect">
+                                  <p:stCondLst>
+                                    <p:cond delay="0"/>
+                                  </p:stCondLst>
+                                  <p:childTnLst>
+                                    <p:set>
+                                      <p:cBhvr>
+                                        <p:cTn id="24" dur="1" fill="hold">
+                                          <p:stCondLst>
+                                            <p:cond delay="0"/>
+                                          </p:stCondLst>
+                                        </p:cTn>
+                                        <p:tgtEl>
+                                          <p:spTgt spid="3">
+                                            <p:txEl>
+                                              <p:pRg st="4" end="4"/>
+                                            </p:txEl>
+                                          </p:spTgt>
+                                        </p:tgtEl>
+                                        <p:attrNameLst>
+                                          <p:attrName>style.visibility</p:attrName>
+                                        </p:attrNameLst>
+                                      </p:cBhvr>
+                                      <p:to>
+                                        <p:strVal val="visible"/>
+                                      </p:to>
+                                    </p:set>
+                                    <p:animEffect transition="in" filter="fade">
+                                      <p:cBhvr>
+                                        <p:cTn id="25" dur="500"/>
+                                        <p:tgtEl>
+                                          <p:spTgt spid="3">
+                                            <p:txEl>
+                                              <p:pRg st="4" end="4"/>
+                                            </p:txEl>
+                                          </p:spTgt>
+                                        </p:tgtEl>
+                                      </p:cBhvr>
+                                    </p:animEffect>
+                                  </p:childTnLst>
+                                </p:cTn>
+                              </p:par>
+                              <p:par>
+                                <p:cTn id="26" presetID="10" presetClass="entr" presetSubtype="0" fill="hold" grpId="0" nodeType="withEffect">
+                                  <p:stCondLst>
+                                    <p:cond delay="0"/>
+                                  </p:stCondLst>
+                                  <p:childTnLst>
+                                    <p:set>
+                                      <p:cBhvr>
+                                        <p:cTn id="27" dur="1" fill="hold">
+                                          <p:stCondLst>
+                                            <p:cond delay="0"/>
+                                          </p:stCondLst>
+                                        </p:cTn>
+                                        <p:tgtEl>
+                                          <p:spTgt spid="3">
+                                            <p:txEl>
+                                              <p:pRg st="5" end="5"/>
+                                            </p:txEl>
+                                          </p:spTgt>
+                                        </p:tgtEl>
+                                        <p:attrNameLst>
+                                          <p:attrName>style.visibility</p:attrName>
+                                        </p:attrNameLst>
+                                      </p:cBhvr>
+                                      <p:to>
+                                        <p:strVal val="visible"/>
+                                      </p:to>
+                                    </p:set>
+                                    <p:animEffect transition="in" filter="fade">
+                                      <p:cBhvr>
+                                        <p:cTn id="28" dur="500"/>
+                                        <p:tgtEl>
+                                          <p:spTgt spid="3">
+                                            <p:txEl>
+                                              <p:pRg st="5" end="5"/>
+                                            </p:txEl>
+                                          </p:spTgt>
+                                        </p:tgtEl>
+                                      </p:cBhvr>
+                                    </p:animEffect>
+                                  </p:childTnLst>
+                                </p:cTn>
+                              </p:par>
+                              <p:par>
+                                <p:cTn id="29" presetID="10" presetClass="entr" presetSubtype="0" fill="hold" grpId="0" nodeType="withEffect">
+                                  <p:stCondLst>
+                                    <p:cond delay="0"/>
+                                  </p:stCondLst>
+                                  <p:childTnLst>
+                                    <p:set>
+                                      <p:cBhvr>
+                                        <p:cTn id="30" dur="1" fill="hold">
+                                          <p:stCondLst>
+                                            <p:cond delay="0"/>
+                                          </p:stCondLst>
+                                        </p:cTn>
+                                        <p:tgtEl>
+                                          <p:spTgt spid="3">
+                                            <p:txEl>
+                                              <p:pRg st="6" end="6"/>
+                                            </p:txEl>
+                                          </p:spTgt>
+                                        </p:tgtEl>
+                                        <p:attrNameLst>
+                                          <p:attrName>style.visibility</p:attrName>
+                                        </p:attrNameLst>
+                                      </p:cBhvr>
+                                      <p:to>
+                                        <p:strVal val="visible"/>
+                                      </p:to>
+                                    </p:set>
+                                    <p:animEffect transition="in" filter="fade">
+                                      <p:cBhvr>
+                                        <p:cTn id="31" dur="500"/>
+                                        <p:tgtEl>
+                                          <p:spTgt spid="3">
+                                            <p:txEl>
+                                              <p:pRg st="6" end="6"/>
+                                            </p:txEl>
+                                          </p:spTgt>
+                                        </p:tgtEl>
+                                      </p:cBhvr>
+                                    </p:animEffect>
+                                  </p:childTnLst>
+                                </p:cTn>
+                              </p:par>
+                            </p:childTnLst>
+                          </p:cTn>
+                        </p:par>
+                      </p:childTnLst>
+                    </p:cTn>
+                  </p:par>
+                  <p:par>
+                    <p:cTn id="32" fill="hold">
+                      <p:stCondLst>
+                        <p:cond delay="indefinite"/>
+                      </p:stCondLst>
+                      <p:childTnLst>
+                        <p:par>
+                          <p:cTn id="33" fill="hold">
+                            <p:stCondLst>
+                              <p:cond delay="0"/>
+                            </p:stCondLst>
+                            <p:childTnLst>
+                              <p:par>
+                                <p:cTn id="34" presetID="10" presetClass="entr" presetSubtype="0" fill="hold" grpId="0" nodeType="clickEffect">
+                                  <p:stCondLst>
+                                    <p:cond delay="0"/>
+                                  </p:stCondLst>
+                                  <p:childTnLst>
+                                    <p:set>
+                                      <p:cBhvr>
+                                        <p:cTn id="35" dur="1" fill="hold">
+                                          <p:stCondLst>
+                                            <p:cond delay="0"/>
+                                          </p:stCondLst>
+                                        </p:cTn>
+                                        <p:tgtEl>
+                                          <p:spTgt spid="3">
+                                            <p:txEl>
+                                              <p:pRg st="7" end="7"/>
+                                            </p:txEl>
+                                          </p:spTgt>
+                                        </p:tgtEl>
+                                        <p:attrNameLst>
+                                          <p:attrName>style.visibility</p:attrName>
+                                        </p:attrNameLst>
+                                      </p:cBhvr>
+                                      <p:to>
+                                        <p:strVal val="visible"/>
+                                      </p:to>
+                                    </p:set>
+                                    <p:animEffect transition="in" filter="fade">
+                                      <p:cBhvr>
+                                        <p:cTn id="36" dur="500"/>
+                                        <p:tgtEl>
+                                          <p:spTgt spid="3">
+                                            <p:txEl>
+                                              <p:pRg st="7" end="7"/>
+                                            </p:txEl>
+                                          </p:spTgt>
+                                        </p:tgtEl>
+                                      </p:cBhvr>
+                                    </p:animEffect>
+                                  </p:childTnLst>
+                                </p:cTn>
+                              </p:par>
+                              <p:par>
+                                <p:cTn id="37" presetID="10" presetClass="entr" presetSubtype="0" fill="hold" grpId="0" nodeType="withEffect">
+                                  <p:stCondLst>
+                                    <p:cond delay="0"/>
+                                  </p:stCondLst>
+                                  <p:childTnLst>
+                                    <p:set>
+                                      <p:cBhvr>
+                                        <p:cTn id="38" dur="1" fill="hold">
+                                          <p:stCondLst>
+                                            <p:cond delay="0"/>
+                                          </p:stCondLst>
+                                        </p:cTn>
+                                        <p:tgtEl>
+                                          <p:spTgt spid="3">
+                                            <p:txEl>
+                                              <p:pRg st="8" end="8"/>
+                                            </p:txEl>
+                                          </p:spTgt>
+                                        </p:tgtEl>
+                                        <p:attrNameLst>
+                                          <p:attrName>style.visibility</p:attrName>
+                                        </p:attrNameLst>
+                                      </p:cBhvr>
+                                      <p:to>
+                                        <p:strVal val="visible"/>
+                                      </p:to>
+                                    </p:set>
+                                    <p:animEffect transition="in" filter="fade">
+                                      <p:cBhvr>
+                                        <p:cTn id="39" dur="500"/>
+                                        <p:tgtEl>
+                                          <p:spTgt spid="3">
+                                            <p:txEl>
+                                              <p:pRg st="8" end="8"/>
+                                            </p:txEl>
+                                          </p:spTgt>
+                                        </p:tgtEl>
+                                      </p:cBhvr>
+                                    </p:animEffect>
+                                  </p:childTnLst>
+                                </p:cTn>
+                              </p:par>
+                              <p:par>
+                                <p:cTn id="40" presetID="10" presetClass="entr" presetSubtype="0" fill="hold" grpId="0" nodeType="withEffect">
+                                  <p:stCondLst>
+                                    <p:cond delay="0"/>
+                                  </p:stCondLst>
+                                  <p:childTnLst>
+                                    <p:set>
+                                      <p:cBhvr>
+                                        <p:cTn id="41" dur="1" fill="hold">
+                                          <p:stCondLst>
+                                            <p:cond delay="0"/>
+                                          </p:stCondLst>
+                                        </p:cTn>
+                                        <p:tgtEl>
+                                          <p:spTgt spid="3">
+                                            <p:txEl>
+                                              <p:pRg st="9" end="9"/>
+                                            </p:txEl>
+                                          </p:spTgt>
+                                        </p:tgtEl>
+                                        <p:attrNameLst>
+                                          <p:attrName>style.visibility</p:attrName>
+                                        </p:attrNameLst>
+                                      </p:cBhvr>
+                                      <p:to>
+                                        <p:strVal val="visible"/>
+                                      </p:to>
+                                    </p:set>
+                                    <p:animEffect transition="in" filter="fade">
+                                      <p:cBhvr>
+                                        <p:cTn id="42" dur="500"/>
+                                        <p:tgtEl>
+                                          <p:spTgt spid="3">
+                                            <p:txEl>
+                                              <p:pRg st="9" end="9"/>
+                                            </p:txEl>
+                                          </p:spTgt>
+                                        </p:tgtEl>
+                                      </p:cBhvr>
+                                    </p:animEffect>
+                                  </p:childTnLst>
+                                </p:cTn>
+                              </p:par>
+                            </p:childTnLst>
+                          </p:cTn>
+                        </p:par>
+                      </p:childTnLst>
+                    </p:cTn>
+                  </p:par>
+                </p:childTnLst>
+              </p:cTn>
+              <p:prevCondLst>
+                <p:cond evt="onPrev" delay="0">
+                  <p:tgtEl>
+                    <p:sldTgt/>
+                  </p:tgtEl>
+                </p:cond>
+              </p:prevCondLst>
+              <p:nextCondLst>
+                <p:cond evt="onNext" delay="0">
+                  <p:tgtEl>
+                    <p:sldTgt/>
+                  </p:tgtEl>
+                </p:cond>
+              </p:nextCondLst>
+            </p:seq>
+          </p:childTnLst>
+        </p:cTn>
+      </p:par>
+    </p:tnLst>
+    <p:bldLst>
+      <p:bldP spid="3" grpId="0" build="p" bldLvl="2"/>
+    </p:bldLst>
+  </p:timing>
 </p:sld>
 </file>
 
@@ -43382,7 +47169,7 @@
         </p:nvGrpSpPr>
         <p:grpSpPr>
           <a:xfrm>
-            <a:off x="4391395" y="1852795"/>
+            <a:off x="4391395" y="1873633"/>
             <a:ext cx="4531929" cy="4536504"/>
             <a:chOff x="2024895" y="1733326"/>
             <a:chExt cx="4896544" cy="4536504"/>
@@ -44685,6 +48472,292 @@
       </p:transition>
     </mc:Fallback>
   </mc:AlternateContent>
+  <p:timing>
+    <p:tnLst>
+      <p:par>
+        <p:cTn id="1" dur="indefinite" restart="never" nodeType="tmRoot">
+          <p:childTnLst>
+            <p:seq concurrent="1" nextAc="seek">
+              <p:cTn id="2" dur="indefinite" nodeType="mainSeq">
+                <p:childTnLst>
+                  <p:par>
+                    <p:cTn id="3" fill="hold">
+                      <p:stCondLst>
+                        <p:cond delay="indefinite"/>
+                      </p:stCondLst>
+                      <p:childTnLst>
+                        <p:par>
+                          <p:cTn id="4" fill="hold">
+                            <p:stCondLst>
+                              <p:cond delay="0"/>
+                            </p:stCondLst>
+                            <p:childTnLst>
+                              <p:par>
+                                <p:cTn id="5" presetID="10" presetClass="entr" presetSubtype="0" fill="hold" grpId="0" nodeType="clickEffect">
+                                  <p:stCondLst>
+                                    <p:cond delay="0"/>
+                                  </p:stCondLst>
+                                  <p:childTnLst>
+                                    <p:set>
+                                      <p:cBhvr>
+                                        <p:cTn id="6" dur="1" fill="hold">
+                                          <p:stCondLst>
+                                            <p:cond delay="0"/>
+                                          </p:stCondLst>
+                                        </p:cTn>
+                                        <p:tgtEl>
+                                          <p:spTgt spid="3">
+                                            <p:txEl>
+                                              <p:pRg st="0" end="0"/>
+                                            </p:txEl>
+                                          </p:spTgt>
+                                        </p:tgtEl>
+                                        <p:attrNameLst>
+                                          <p:attrName>style.visibility</p:attrName>
+                                        </p:attrNameLst>
+                                      </p:cBhvr>
+                                      <p:to>
+                                        <p:strVal val="visible"/>
+                                      </p:to>
+                                    </p:set>
+                                    <p:animEffect transition="in" filter="fade">
+                                      <p:cBhvr>
+                                        <p:cTn id="7" dur="500"/>
+                                        <p:tgtEl>
+                                          <p:spTgt spid="3">
+                                            <p:txEl>
+                                              <p:pRg st="0" end="0"/>
+                                            </p:txEl>
+                                          </p:spTgt>
+                                        </p:tgtEl>
+                                      </p:cBhvr>
+                                    </p:animEffect>
+                                  </p:childTnLst>
+                                </p:cTn>
+                              </p:par>
+                              <p:par>
+                                <p:cTn id="8" presetID="10" presetClass="entr" presetSubtype="0" fill="hold" grpId="0" nodeType="withEffect">
+                                  <p:stCondLst>
+                                    <p:cond delay="0"/>
+                                  </p:stCondLst>
+                                  <p:childTnLst>
+                                    <p:set>
+                                      <p:cBhvr>
+                                        <p:cTn id="9" dur="1" fill="hold">
+                                          <p:stCondLst>
+                                            <p:cond delay="0"/>
+                                          </p:stCondLst>
+                                        </p:cTn>
+                                        <p:tgtEl>
+                                          <p:spTgt spid="3">
+                                            <p:txEl>
+                                              <p:pRg st="1" end="1"/>
+                                            </p:txEl>
+                                          </p:spTgt>
+                                        </p:tgtEl>
+                                        <p:attrNameLst>
+                                          <p:attrName>style.visibility</p:attrName>
+                                        </p:attrNameLst>
+                                      </p:cBhvr>
+                                      <p:to>
+                                        <p:strVal val="visible"/>
+                                      </p:to>
+                                    </p:set>
+                                    <p:animEffect transition="in" filter="fade">
+                                      <p:cBhvr>
+                                        <p:cTn id="10" dur="500"/>
+                                        <p:tgtEl>
+                                          <p:spTgt spid="3">
+                                            <p:txEl>
+                                              <p:pRg st="1" end="1"/>
+                                            </p:txEl>
+                                          </p:spTgt>
+                                        </p:tgtEl>
+                                      </p:cBhvr>
+                                    </p:animEffect>
+                                  </p:childTnLst>
+                                </p:cTn>
+                              </p:par>
+                            </p:childTnLst>
+                          </p:cTn>
+                        </p:par>
+                        <p:par>
+                          <p:cTn id="11" fill="hold">
+                            <p:stCondLst>
+                              <p:cond delay="500"/>
+                            </p:stCondLst>
+                            <p:childTnLst>
+                              <p:par>
+                                <p:cTn id="12" presetID="10" presetClass="entr" presetSubtype="0" fill="hold" nodeType="afterEffect">
+                                  <p:stCondLst>
+                                    <p:cond delay="0"/>
+                                  </p:stCondLst>
+                                  <p:childTnLst>
+                                    <p:set>
+                                      <p:cBhvr>
+                                        <p:cTn id="13" dur="1" fill="hold">
+                                          <p:stCondLst>
+                                            <p:cond delay="0"/>
+                                          </p:stCondLst>
+                                        </p:cTn>
+                                        <p:tgtEl>
+                                          <p:spTgt spid="21"/>
+                                        </p:tgtEl>
+                                        <p:attrNameLst>
+                                          <p:attrName>style.visibility</p:attrName>
+                                        </p:attrNameLst>
+                                      </p:cBhvr>
+                                      <p:to>
+                                        <p:strVal val="visible"/>
+                                      </p:to>
+                                    </p:set>
+                                    <p:animEffect transition="in" filter="fade">
+                                      <p:cBhvr>
+                                        <p:cTn id="14" dur="500"/>
+                                        <p:tgtEl>
+                                          <p:spTgt spid="21"/>
+                                        </p:tgtEl>
+                                      </p:cBhvr>
+                                    </p:animEffect>
+                                  </p:childTnLst>
+                                </p:cTn>
+                              </p:par>
+                            </p:childTnLst>
+                          </p:cTn>
+                        </p:par>
+                      </p:childTnLst>
+                    </p:cTn>
+                  </p:par>
+                  <p:par>
+                    <p:cTn id="15" fill="hold">
+                      <p:stCondLst>
+                        <p:cond delay="indefinite"/>
+                      </p:stCondLst>
+                      <p:childTnLst>
+                        <p:par>
+                          <p:cTn id="16" fill="hold">
+                            <p:stCondLst>
+                              <p:cond delay="0"/>
+                            </p:stCondLst>
+                            <p:childTnLst>
+                              <p:par>
+                                <p:cTn id="17" presetID="10" presetClass="entr" presetSubtype="0" fill="hold" grpId="0" nodeType="clickEffect">
+                                  <p:stCondLst>
+                                    <p:cond delay="0"/>
+                                  </p:stCondLst>
+                                  <p:childTnLst>
+                                    <p:set>
+                                      <p:cBhvr>
+                                        <p:cTn id="18" dur="1" fill="hold">
+                                          <p:stCondLst>
+                                            <p:cond delay="0"/>
+                                          </p:stCondLst>
+                                        </p:cTn>
+                                        <p:tgtEl>
+                                          <p:spTgt spid="3">
+                                            <p:txEl>
+                                              <p:pRg st="2" end="2"/>
+                                            </p:txEl>
+                                          </p:spTgt>
+                                        </p:tgtEl>
+                                        <p:attrNameLst>
+                                          <p:attrName>style.visibility</p:attrName>
+                                        </p:attrNameLst>
+                                      </p:cBhvr>
+                                      <p:to>
+                                        <p:strVal val="visible"/>
+                                      </p:to>
+                                    </p:set>
+                                    <p:animEffect transition="in" filter="fade">
+                                      <p:cBhvr>
+                                        <p:cTn id="19" dur="500"/>
+                                        <p:tgtEl>
+                                          <p:spTgt spid="3">
+                                            <p:txEl>
+                                              <p:pRg st="2" end="2"/>
+                                            </p:txEl>
+                                          </p:spTgt>
+                                        </p:tgtEl>
+                                      </p:cBhvr>
+                                    </p:animEffect>
+                                  </p:childTnLst>
+                                </p:cTn>
+                              </p:par>
+                            </p:childTnLst>
+                          </p:cTn>
+                        </p:par>
+                        <p:par>
+                          <p:cTn id="20" fill="hold">
+                            <p:stCondLst>
+                              <p:cond delay="500"/>
+                            </p:stCondLst>
+                            <p:childTnLst>
+                              <p:par>
+                                <p:cTn id="21" presetID="10" presetClass="entr" presetSubtype="0" fill="hold" nodeType="afterEffect">
+                                  <p:stCondLst>
+                                    <p:cond delay="0"/>
+                                  </p:stCondLst>
+                                  <p:childTnLst>
+                                    <p:set>
+                                      <p:cBhvr>
+                                        <p:cTn id="22" dur="1" fill="hold">
+                                          <p:stCondLst>
+                                            <p:cond delay="0"/>
+                                          </p:stCondLst>
+                                        </p:cTn>
+                                        <p:tgtEl>
+                                          <p:spTgt spid="48"/>
+                                        </p:tgtEl>
+                                        <p:attrNameLst>
+                                          <p:attrName>style.visibility</p:attrName>
+                                        </p:attrNameLst>
+                                      </p:cBhvr>
+                                      <p:to>
+                                        <p:strVal val="visible"/>
+                                      </p:to>
+                                    </p:set>
+                                    <p:animEffect transition="in" filter="fade">
+                                      <p:cBhvr>
+                                        <p:cTn id="23" dur="500"/>
+                                        <p:tgtEl>
+                                          <p:spTgt spid="48"/>
+                                        </p:tgtEl>
+                                      </p:cBhvr>
+                                    </p:animEffect>
+                                  </p:childTnLst>
+                                </p:cTn>
+                              </p:par>
+                            </p:childTnLst>
+                          </p:cTn>
+                        </p:par>
+                      </p:childTnLst>
+                    </p:cTn>
+                  </p:par>
+                </p:childTnLst>
+              </p:cTn>
+              <p:prevCondLst>
+                <p:cond evt="onPrev" delay="0">
+                  <p:tgtEl>
+                    <p:sldTgt/>
+                  </p:tgtEl>
+                </p:cond>
+              </p:prevCondLst>
+              <p:nextCondLst>
+                <p:cond evt="onNext" delay="0">
+                  <p:tgtEl>
+                    <p:sldTgt/>
+                  </p:tgtEl>
+                </p:cond>
+              </p:nextCondLst>
+            </p:seq>
+          </p:childTnLst>
+        </p:cTn>
+      </p:par>
+    </p:tnLst>
+    <p:bldLst>
+      <p:bldP spid="3" grpId="0" uiExpand="1" build="p"/>
+    </p:bldLst>
+  </p:timing>
 </p:sld>
 </file>
 
